--- a/ronbun/src/fig/model/table_regime.pptx
+++ b/ronbun/src/fig/model/table_regime.pptx
@@ -259,7 +259,7 @@
           <a:p>
             <a:fld id="{96132B7A-14F9-4B03-9E81-9B4B4A3BEE0D}" type="datetimeFigureOut">
               <a:rPr kumimoji="1" lang="ja-JP" altLang="en-US" smtClean="0"/>
-              <a:t>2021/1/20</a:t>
+              <a:t>2021/1/21</a:t>
             </a:fld>
             <a:endParaRPr kumimoji="1" lang="ja-JP" altLang="en-US"/>
           </a:p>
@@ -489,7 +489,7 @@
           <a:p>
             <a:fld id="{96132B7A-14F9-4B03-9E81-9B4B4A3BEE0D}" type="datetimeFigureOut">
               <a:rPr kumimoji="1" lang="ja-JP" altLang="en-US" smtClean="0"/>
-              <a:t>2021/1/20</a:t>
+              <a:t>2021/1/21</a:t>
             </a:fld>
             <a:endParaRPr kumimoji="1" lang="ja-JP" altLang="en-US"/>
           </a:p>
@@ -729,7 +729,7 @@
           <a:p>
             <a:fld id="{96132B7A-14F9-4B03-9E81-9B4B4A3BEE0D}" type="datetimeFigureOut">
               <a:rPr kumimoji="1" lang="ja-JP" altLang="en-US" smtClean="0"/>
-              <a:t>2021/1/20</a:t>
+              <a:t>2021/1/21</a:t>
             </a:fld>
             <a:endParaRPr kumimoji="1" lang="ja-JP" altLang="en-US"/>
           </a:p>
@@ -959,7 +959,7 @@
           <a:p>
             <a:fld id="{96132B7A-14F9-4B03-9E81-9B4B4A3BEE0D}" type="datetimeFigureOut">
               <a:rPr kumimoji="1" lang="ja-JP" altLang="en-US" smtClean="0"/>
-              <a:t>2021/1/20</a:t>
+              <a:t>2021/1/21</a:t>
             </a:fld>
             <a:endParaRPr kumimoji="1" lang="ja-JP" altLang="en-US"/>
           </a:p>
@@ -1234,7 +1234,7 @@
           <a:p>
             <a:fld id="{96132B7A-14F9-4B03-9E81-9B4B4A3BEE0D}" type="datetimeFigureOut">
               <a:rPr kumimoji="1" lang="ja-JP" altLang="en-US" smtClean="0"/>
-              <a:t>2021/1/20</a:t>
+              <a:t>2021/1/21</a:t>
             </a:fld>
             <a:endParaRPr kumimoji="1" lang="ja-JP" altLang="en-US"/>
           </a:p>
@@ -1563,7 +1563,7 @@
           <a:p>
             <a:fld id="{96132B7A-14F9-4B03-9E81-9B4B4A3BEE0D}" type="datetimeFigureOut">
               <a:rPr kumimoji="1" lang="ja-JP" altLang="en-US" smtClean="0"/>
-              <a:t>2021/1/20</a:t>
+              <a:t>2021/1/21</a:t>
             </a:fld>
             <a:endParaRPr kumimoji="1" lang="ja-JP" altLang="en-US"/>
           </a:p>
@@ -2039,7 +2039,7 @@
           <a:p>
             <a:fld id="{96132B7A-14F9-4B03-9E81-9B4B4A3BEE0D}" type="datetimeFigureOut">
               <a:rPr kumimoji="1" lang="ja-JP" altLang="en-US" smtClean="0"/>
-              <a:t>2021/1/20</a:t>
+              <a:t>2021/1/21</a:t>
             </a:fld>
             <a:endParaRPr kumimoji="1" lang="ja-JP" altLang="en-US"/>
           </a:p>
@@ -2180,7 +2180,7 @@
           <a:p>
             <a:fld id="{96132B7A-14F9-4B03-9E81-9B4B4A3BEE0D}" type="datetimeFigureOut">
               <a:rPr kumimoji="1" lang="ja-JP" altLang="en-US" smtClean="0"/>
-              <a:t>2021/1/20</a:t>
+              <a:t>2021/1/21</a:t>
             </a:fld>
             <a:endParaRPr kumimoji="1" lang="ja-JP" altLang="en-US"/>
           </a:p>
@@ -2293,7 +2293,7 @@
           <a:p>
             <a:fld id="{96132B7A-14F9-4B03-9E81-9B4B4A3BEE0D}" type="datetimeFigureOut">
               <a:rPr kumimoji="1" lang="ja-JP" altLang="en-US" smtClean="0"/>
-              <a:t>2021/1/20</a:t>
+              <a:t>2021/1/21</a:t>
             </a:fld>
             <a:endParaRPr kumimoji="1" lang="ja-JP" altLang="en-US"/>
           </a:p>
@@ -2636,7 +2636,7 @@
           <a:p>
             <a:fld id="{96132B7A-14F9-4B03-9E81-9B4B4A3BEE0D}" type="datetimeFigureOut">
               <a:rPr kumimoji="1" lang="ja-JP" altLang="en-US" smtClean="0"/>
-              <a:t>2021/1/20</a:t>
+              <a:t>2021/1/21</a:t>
             </a:fld>
             <a:endParaRPr kumimoji="1" lang="ja-JP" altLang="en-US"/>
           </a:p>
@@ -2924,7 +2924,7 @@
           <a:p>
             <a:fld id="{96132B7A-14F9-4B03-9E81-9B4B4A3BEE0D}" type="datetimeFigureOut">
               <a:rPr kumimoji="1" lang="ja-JP" altLang="en-US" smtClean="0"/>
-              <a:t>2021/1/20</a:t>
+              <a:t>2021/1/21</a:t>
             </a:fld>
             <a:endParaRPr kumimoji="1" lang="ja-JP" altLang="en-US"/>
           </a:p>
@@ -3197,7 +3197,7 @@
           <a:p>
             <a:fld id="{96132B7A-14F9-4B03-9E81-9B4B4A3BEE0D}" type="datetimeFigureOut">
               <a:rPr kumimoji="1" lang="ja-JP" altLang="en-US" smtClean="0"/>
-              <a:t>2021/1/20</a:t>
+              <a:t>2021/1/21</a:t>
             </a:fld>
             <a:endParaRPr kumimoji="1" lang="ja-JP" altLang="en-US"/>
           </a:p>
@@ -3631,14 +3631,14 @@
               <p:nvPr>
                 <p:extLst>
                   <p:ext uri="{D42A27DB-BD31-4B8C-83A1-F6EECF244321}">
-                    <p14:modId xmlns:p14="http://schemas.microsoft.com/office/powerpoint/2010/main" val="3180575808"/>
+                    <p14:modId xmlns:p14="http://schemas.microsoft.com/office/powerpoint/2010/main" val="1905124307"/>
                   </p:ext>
                 </p:extLst>
               </p:nvPr>
             </p:nvGraphicFramePr>
             <p:xfrm>
-              <a:off x="1330779" y="1664946"/>
-              <a:ext cx="4196442" cy="2010130"/>
+              <a:off x="95250" y="1693521"/>
+              <a:ext cx="6629400" cy="1928504"/>
             </p:xfrm>
             <a:graphic>
               <a:graphicData uri="http://schemas.openxmlformats.org/drawingml/2006/table">
@@ -3647,14 +3647,21 @@
                     <a:tableStyleId>{5C22544A-7EE6-4342-B048-85BDC9FD1C3A}</a:tableStyleId>
                   </a:tblPr>
                   <a:tblGrid>
-                    <a:gridCol w="2098221">
+                    <a:gridCol w="1702143">
                       <a:extLst>
                         <a:ext uri="{9D8B030D-6E8A-4147-A177-3AD203B41FA5}">
                           <a16:colId xmlns:a16="http://schemas.microsoft.com/office/drawing/2014/main" val="3480938367"/>
                         </a:ext>
                       </a:extLst>
                     </a:gridCol>
-                    <a:gridCol w="2098221">
+                    <a:gridCol w="2717457">
+                      <a:extLst>
+                        <a:ext uri="{9D8B030D-6E8A-4147-A177-3AD203B41FA5}">
+                          <a16:colId xmlns:a16="http://schemas.microsoft.com/office/drawing/2014/main" val="1732164345"/>
+                        </a:ext>
+                      </a:extLst>
+                    </a:gridCol>
+                    <a:gridCol w="2209800">
                       <a:extLst>
                         <a:ext uri="{9D8B030D-6E8A-4147-A177-3AD203B41FA5}">
                           <a16:colId xmlns:a16="http://schemas.microsoft.com/office/drawing/2014/main" val="3213155522"/>
@@ -3662,7 +3669,7 @@
                       </a:extLst>
                     </a:gridCol>
                   </a:tblGrid>
-                  <a:tr h="402026">
+                  <a:tr h="324172">
                     <a:tc>
                       <a:txBody>
                         <a:bodyPr/>
@@ -3670,17 +3677,17 @@
                         <a:p>
                           <a:pPr algn="ctr"/>
                           <a:r>
-                            <a:rPr kumimoji="1" lang="ja-JP" altLang="en-US" sz="1400" dirty="0">
+                            <a:rPr kumimoji="1" lang="ja-JP" altLang="en-US" sz="1100" dirty="0">
                               <a:solidFill>
                                 <a:sysClr val="windowText" lastClr="000000"/>
                               </a:solidFill>
                               <a:latin typeface="HG明朝B" panose="02020809000000000000" pitchFamily="17" charset="-128"/>
                               <a:ea typeface="HG明朝B" panose="02020809000000000000" pitchFamily="17" charset="-128"/>
                             </a:rPr>
-                            <a:t>パラメータ </a:t>
+                            <a:t>レジーム </a:t>
                           </a:r>
                           <a:r>
-                            <a:rPr kumimoji="1" lang="en-US" altLang="ja-JP" sz="1400" dirty="0">
+                            <a:rPr kumimoji="1" lang="en-US" altLang="ja-JP" sz="1100" dirty="0">
                               <a:solidFill>
                                 <a:sysClr val="windowText" lastClr="000000"/>
                               </a:solidFill>
@@ -3690,17 +3697,17 @@
                             <a:t>[</a:t>
                           </a:r>
                           <a:r>
-                            <a:rPr kumimoji="1" lang="ja-JP" altLang="en-US" sz="1400" dirty="0">
+                            <a:rPr kumimoji="1" lang="ja-JP" altLang="en-US" sz="1100" dirty="0">
                               <a:solidFill>
                                 <a:sysClr val="windowText" lastClr="000000"/>
                               </a:solidFill>
                               <a:latin typeface="HG明朝B" panose="02020809000000000000" pitchFamily="17" charset="-128"/>
                               <a:ea typeface="HG明朝B" panose="02020809000000000000" pitchFamily="17" charset="-128"/>
                             </a:rPr>
-                            <a:t>単位</a:t>
+                            <a:t>記号</a:t>
                           </a:r>
                           <a:r>
-                            <a:rPr kumimoji="1" lang="en-US" altLang="ja-JP" sz="1400" dirty="0">
+                            <a:rPr kumimoji="1" lang="en-US" altLang="ja-JP" sz="1100" dirty="0">
                               <a:solidFill>
                                 <a:sysClr val="windowText" lastClr="000000"/>
                               </a:solidFill>
@@ -3709,7 +3716,7 @@
                             </a:rPr>
                             <a:t>]</a:t>
                           </a:r>
-                          <a:endParaRPr kumimoji="1" lang="ja-JP" altLang="en-US" sz="1400" dirty="0">
+                          <a:endParaRPr kumimoji="1" lang="ja-JP" altLang="en-US" sz="1100" dirty="0">
                             <a:solidFill>
                               <a:sysClr val="windowText" lastClr="000000"/>
                             </a:solidFill>
@@ -3765,14 +3772,82 @@
                         <a:p>
                           <a:pPr algn="ctr"/>
                           <a:r>
-                            <a:rPr kumimoji="1" lang="ja-JP" altLang="en-US" sz="1400" dirty="0">
+                            <a:rPr kumimoji="1" lang="ja-JP" altLang="en-US" sz="1100" dirty="0">
                               <a:solidFill>
                                 <a:sysClr val="windowText" lastClr="000000"/>
                               </a:solidFill>
                               <a:latin typeface="HG明朝B" panose="02020809000000000000" pitchFamily="17" charset="-128"/>
                               <a:ea typeface="HG明朝B" panose="02020809000000000000" pitchFamily="17" charset="-128"/>
                             </a:rPr>
-                            <a:t>値</a:t>
+                            <a:t>特徴</a:t>
+                          </a:r>
+                        </a:p>
+                      </a:txBody>
+                      <a:tcPr>
+                        <a:lnL w="12700" cap="flat" cmpd="sng" algn="ctr">
+                          <a:solidFill>
+                            <a:schemeClr val="tx1"/>
+                          </a:solidFill>
+                          <a:prstDash val="solid"/>
+                          <a:round/>
+                          <a:headEnd type="none" w="med" len="med"/>
+                          <a:tailEnd type="none" w="med" len="med"/>
+                        </a:lnL>
+                        <a:lnR w="12700" cap="flat" cmpd="sng" algn="ctr">
+                          <a:solidFill>
+                            <a:schemeClr val="tx1"/>
+                          </a:solidFill>
+                          <a:prstDash val="solid"/>
+                          <a:round/>
+                          <a:headEnd type="none" w="med" len="med"/>
+                          <a:tailEnd type="none" w="med" len="med"/>
+                        </a:lnR>
+                        <a:lnT w="12700" cap="flat" cmpd="sng" algn="ctr">
+                          <a:solidFill>
+                            <a:schemeClr val="tx1"/>
+                          </a:solidFill>
+                          <a:prstDash val="solid"/>
+                          <a:round/>
+                          <a:headEnd type="none" w="med" len="med"/>
+                          <a:tailEnd type="none" w="med" len="med"/>
+                        </a:lnT>
+                        <a:lnB w="12700" cap="flat" cmpd="sng" algn="ctr">
+                          <a:solidFill>
+                            <a:schemeClr val="tx1"/>
+                          </a:solidFill>
+                          <a:prstDash val="solid"/>
+                          <a:round/>
+                          <a:headEnd type="none" w="med" len="med"/>
+                          <a:tailEnd type="none" w="med" len="med"/>
+                        </a:lnB>
+                        <a:noFill/>
+                      </a:tcPr>
+                    </a:tc>
+                    <a:tc>
+                      <a:txBody>
+                        <a:bodyPr/>
+                        <a:lstStyle/>
+                        <a:p>
+                          <a:pPr algn="ctr"/>
+                          <a:r>
+                            <a:rPr kumimoji="1" lang="en-US" altLang="ja-JP" sz="1100" dirty="0">
+                              <a:solidFill>
+                                <a:sysClr val="windowText" lastClr="000000"/>
+                              </a:solidFill>
+                              <a:latin typeface="HG明朝B" panose="02020809000000000000" pitchFamily="17" charset="-128"/>
+                              <a:ea typeface="HG明朝B" panose="02020809000000000000" pitchFamily="17" charset="-128"/>
+                            </a:rPr>
+                            <a:t>Burger</a:t>
+                          </a:r>
+                          <a:r>
+                            <a:rPr kumimoji="1" lang="ja-JP" altLang="en-US" sz="1100" dirty="0">
+                              <a:solidFill>
+                                <a:sysClr val="windowText" lastClr="000000"/>
+                              </a:solidFill>
+                              <a:latin typeface="HG明朝B" panose="02020809000000000000" pitchFamily="17" charset="-128"/>
+                              <a:ea typeface="HG明朝B" panose="02020809000000000000" pitchFamily="17" charset="-128"/>
+                            </a:rPr>
+                            <a:t> 数</a:t>
                           </a:r>
                         </a:p>
                       </a:txBody>
@@ -3822,7 +3897,7 @@
                       </a:ext>
                     </a:extLst>
                   </a:tr>
-                  <a:tr h="402026">
+                  <a:tr h="403654">
                     <a:tc>
                       <a:txBody>
                         <a:bodyPr/>
@@ -3830,77 +3905,111 @@
                         <a:p>
                           <a:pPr algn="ctr"/>
                           <a:r>
-                            <a:rPr kumimoji="1" lang="ja-JP" altLang="en-US" sz="1400" dirty="0">
+                            <a:rPr kumimoji="1" lang="ja-JP" altLang="en-US" sz="1100" dirty="0">
                               <a:solidFill>
                                 <a:sysClr val="windowText" lastClr="000000"/>
                               </a:solidFill>
                               <a:latin typeface="HG明朝B" panose="02020809000000000000" pitchFamily="17" charset="-128"/>
                               <a:ea typeface="HG明朝B" panose="02020809000000000000" pitchFamily="17" charset="-128"/>
                             </a:rPr>
-                            <a:t>自転角速度 </a:t>
+                            <a:t>木星的 </a:t>
                           </a:r>
                           <a:r>
-                            <a:rPr kumimoji="1" lang="en-US" altLang="ja-JP" sz="1400" dirty="0">
+                            <a:rPr kumimoji="1" lang="en-US" altLang="ja-JP" sz="1100" dirty="0">
                               <a:solidFill>
                                 <a:sysClr val="windowText" lastClr="000000"/>
                               </a:solidFill>
                               <a:latin typeface="HG明朝B" panose="02020809000000000000" pitchFamily="17" charset="-128"/>
                               <a:ea typeface="HG明朝B" panose="02020809000000000000" pitchFamily="17" charset="-128"/>
                             </a:rPr>
-                            <a:t>[</a:t>
+                            <a:t>[J]</a:t>
                           </a:r>
-                          <a14:m>
-                            <m:oMath xmlns:m="http://schemas.openxmlformats.org/officeDocument/2006/math">
-                              <m:sSup>
-                                <m:sSupPr>
-                                  <m:ctrlPr>
-                                    <a:rPr kumimoji="1" lang="en-US" altLang="ja-JP" sz="1400" b="0" i="1" smtClean="0">
-                                      <a:solidFill>
-                                        <a:sysClr val="windowText" lastClr="000000"/>
-                                      </a:solidFill>
-                                      <a:latin typeface="Cambria Math" panose="02040503050406030204" pitchFamily="18" charset="0"/>
-                                    </a:rPr>
-                                  </m:ctrlPr>
-                                </m:sSupPr>
-                                <m:e>
-                                  <m:r>
-                                    <m:rPr>
-                                      <m:sty m:val="p"/>
-                                    </m:rPr>
-                                    <a:rPr kumimoji="1" lang="en-US" altLang="ja-JP" sz="1400" b="0" i="0" smtClean="0">
-                                      <a:solidFill>
-                                        <a:sysClr val="windowText" lastClr="000000"/>
-                                      </a:solidFill>
-                                      <a:latin typeface="Cambria Math" panose="02040503050406030204" pitchFamily="18" charset="0"/>
-                                    </a:rPr>
-                                    <m:t>s</m:t>
-                                  </m:r>
-                                </m:e>
-                                <m:sup>
-                                  <m:r>
-                                    <a:rPr kumimoji="1" lang="en-US" altLang="ja-JP" sz="1400" b="0" i="0" smtClean="0">
-                                      <a:solidFill>
-                                        <a:sysClr val="windowText" lastClr="000000"/>
-                                      </a:solidFill>
-                                      <a:latin typeface="Cambria Math" panose="02040503050406030204" pitchFamily="18" charset="0"/>
-                                    </a:rPr>
-                                    <m:t>−1</m:t>
-                                  </m:r>
-                                </m:sup>
-                              </m:sSup>
-                            </m:oMath>
-                          </a14:m>
+                          <a:endParaRPr kumimoji="1" lang="ja-JP" altLang="en-US" sz="1100" dirty="0">
+                            <a:solidFill>
+                              <a:sysClr val="windowText" lastClr="000000"/>
+                            </a:solidFill>
+                            <a:latin typeface="HG明朝B" panose="02020809000000000000" pitchFamily="17" charset="-128"/>
+                            <a:ea typeface="HG明朝B" panose="02020809000000000000" pitchFamily="17" charset="-128"/>
+                          </a:endParaRPr>
+                        </a:p>
+                      </a:txBody>
+                      <a:tcPr>
+                        <a:lnL w="12700" cap="flat" cmpd="sng" algn="ctr">
+                          <a:solidFill>
+                            <a:schemeClr val="tx1"/>
+                          </a:solidFill>
+                          <a:prstDash val="solid"/>
+                          <a:round/>
+                          <a:headEnd type="none" w="med" len="med"/>
+                          <a:tailEnd type="none" w="med" len="med"/>
+                        </a:lnL>
+                        <a:lnR w="12700" cap="flat" cmpd="sng" algn="ctr">
+                          <a:solidFill>
+                            <a:schemeClr val="tx1"/>
+                          </a:solidFill>
+                          <a:prstDash val="solid"/>
+                          <a:round/>
+                          <a:headEnd type="none" w="med" len="med"/>
+                          <a:tailEnd type="none" w="med" len="med"/>
+                        </a:lnR>
+                        <a:lnT w="12700" cap="flat" cmpd="sng" algn="ctr">
+                          <a:solidFill>
+                            <a:schemeClr val="tx1"/>
+                          </a:solidFill>
+                          <a:prstDash val="solid"/>
+                          <a:round/>
+                          <a:headEnd type="none" w="med" len="med"/>
+                          <a:tailEnd type="none" w="med" len="med"/>
+                        </a:lnT>
+                        <a:lnB w="12700" cap="flat" cmpd="sng" algn="ctr">
+                          <a:solidFill>
+                            <a:schemeClr val="tx1"/>
+                          </a:solidFill>
+                          <a:prstDash val="solid"/>
+                          <a:round/>
+                          <a:headEnd type="none" w="med" len="med"/>
+                          <a:tailEnd type="none" w="med" len="med"/>
+                        </a:lnB>
+                        <a:noFill/>
+                      </a:tcPr>
+                    </a:tc>
+                    <a:tc>
+                      <a:txBody>
+                        <a:bodyPr/>
+                        <a:lstStyle/>
+                        <a:p>
+                          <a:pPr algn="ctr"/>
                           <a:r>
-                            <a:rPr kumimoji="1" lang="en-US" altLang="ja-JP" sz="1400" dirty="0">
+                            <a:rPr kumimoji="1" lang="ja-JP" altLang="en-US" sz="1100" dirty="0">
                               <a:solidFill>
                                 <a:sysClr val="windowText" lastClr="000000"/>
                               </a:solidFill>
                               <a:latin typeface="HG明朝B" panose="02020809000000000000" pitchFamily="17" charset="-128"/>
                               <a:ea typeface="HG明朝B" panose="02020809000000000000" pitchFamily="17" charset="-128"/>
                             </a:rPr>
-                            <a:t>]</a:t>
+                            <a:t>比較的小さい複数の渦が形成．</a:t>
                           </a:r>
-                          <a:endParaRPr kumimoji="1" lang="ja-JP" altLang="en-US" sz="1400" dirty="0">
+                          <a:endParaRPr kumimoji="1" lang="en-US" altLang="ja-JP" sz="1100" dirty="0">
+                            <a:solidFill>
+                              <a:sysClr val="windowText" lastClr="000000"/>
+                            </a:solidFill>
+                            <a:latin typeface="HG明朝B" panose="02020809000000000000" pitchFamily="17" charset="-128"/>
+                            <a:ea typeface="HG明朝B" panose="02020809000000000000" pitchFamily="17" charset="-128"/>
+                          </a:endParaRPr>
+                        </a:p>
+                        <a:p>
+                          <a:pPr algn="ctr"/>
+                          <a:r>
+                            <a:rPr kumimoji="1" lang="ja-JP" altLang="en-US" sz="1100" dirty="0">
+                              <a:solidFill>
+                                <a:sysClr val="windowText" lastClr="000000"/>
+                              </a:solidFill>
+                              <a:latin typeface="HG明朝B" panose="02020809000000000000" pitchFamily="17" charset="-128"/>
+                              <a:ea typeface="HG明朝B" panose="02020809000000000000" pitchFamily="17" charset="-128"/>
+                            </a:rPr>
+                            <a:t>極に渦がとどまらない．</a:t>
+                          </a:r>
+                          <a:endParaRPr kumimoji="1" lang="en-US" altLang="ja-JP" sz="1100" dirty="0">
                             <a:solidFill>
                               <a:sysClr val="windowText" lastClr="000000"/>
                             </a:solidFill>
@@ -3962,43 +4071,57 @@
                               </m:oMathParaPr>
                               <m:oMath xmlns:m="http://schemas.openxmlformats.org/officeDocument/2006/math">
                                 <m:r>
-                                  <a:rPr kumimoji="1" lang="en-US" altLang="ja-JP" sz="1400" b="0" i="1" smtClean="0">
+                                  <a:rPr kumimoji="1" lang="en-US" altLang="ja-JP" sz="1100" b="0" i="1" smtClean="0">
                                     <a:solidFill>
                                       <a:sysClr val="windowText" lastClr="000000"/>
                                     </a:solidFill>
                                     <a:latin typeface="Cambria Math" panose="02040503050406030204" pitchFamily="18" charset="0"/>
+                                    <a:ea typeface="HG明朝B" panose="02020809000000000000" pitchFamily="17" charset="-128"/>
                                   </a:rPr>
-                                  <m:t>1.74×</m:t>
+                                  <m:t>𝐵𝑢</m:t>
+                                </m:r>
+                                <m:r>
+                                  <a:rPr kumimoji="1" lang="en-US" altLang="ja-JP" sz="1100" b="0" i="1" smtClean="0">
+                                    <a:solidFill>
+                                      <a:sysClr val="windowText" lastClr="000000"/>
+                                    </a:solidFill>
+                                    <a:latin typeface="Cambria Math" panose="02040503050406030204" pitchFamily="18" charset="0"/>
+                                    <a:ea typeface="HG明朝B" panose="02020809000000000000" pitchFamily="17" charset="-128"/>
+                                  </a:rPr>
+                                  <m:t>≤2.4×</m:t>
                                 </m:r>
                                 <m:sSup>
                                   <m:sSupPr>
                                     <m:ctrlPr>
-                                      <a:rPr kumimoji="1" lang="en-US" altLang="ja-JP" sz="1400" b="0" i="1" smtClean="0">
+                                      <a:rPr kumimoji="1" lang="en-US" altLang="ja-JP" sz="1100" b="0" i="1" smtClean="0">
                                         <a:solidFill>
                                           <a:sysClr val="windowText" lastClr="000000"/>
                                         </a:solidFill>
                                         <a:latin typeface="Cambria Math" panose="02040503050406030204" pitchFamily="18" charset="0"/>
+                                        <a:ea typeface="HG明朝B" panose="02020809000000000000" pitchFamily="17" charset="-128"/>
                                       </a:rPr>
                                     </m:ctrlPr>
                                   </m:sSupPr>
                                   <m:e>
                                     <m:r>
-                                      <a:rPr kumimoji="1" lang="en-US" altLang="ja-JP" sz="1400" b="0" i="1" smtClean="0">
+                                      <a:rPr kumimoji="1" lang="en-US" altLang="ja-JP" sz="1100" b="0" i="1" smtClean="0">
                                         <a:solidFill>
                                           <a:sysClr val="windowText" lastClr="000000"/>
                                         </a:solidFill>
                                         <a:latin typeface="Cambria Math" panose="02040503050406030204" pitchFamily="18" charset="0"/>
+                                        <a:ea typeface="HG明朝B" panose="02020809000000000000" pitchFamily="17" charset="-128"/>
                                       </a:rPr>
                                       <m:t>10</m:t>
                                     </m:r>
                                   </m:e>
                                   <m:sup>
                                     <m:r>
-                                      <a:rPr kumimoji="1" lang="en-US" altLang="ja-JP" sz="1400" b="0" i="1" smtClean="0">
+                                      <a:rPr kumimoji="1" lang="en-US" altLang="ja-JP" sz="1100" b="0" i="1" smtClean="0">
                                         <a:solidFill>
                                           <a:sysClr val="windowText" lastClr="000000"/>
                                         </a:solidFill>
                                         <a:latin typeface="Cambria Math" panose="02040503050406030204" pitchFamily="18" charset="0"/>
+                                        <a:ea typeface="HG明朝B" panose="02020809000000000000" pitchFamily="17" charset="-128"/>
                                       </a:rPr>
                                       <m:t>−4</m:t>
                                     </m:r>
@@ -4007,7 +4130,7 @@
                               </m:oMath>
                             </m:oMathPara>
                           </a14:m>
-                          <a:endParaRPr kumimoji="1" lang="en-US" altLang="ja-JP" sz="1400" dirty="0">
+                          <a:endParaRPr kumimoji="1" lang="en-US" altLang="ja-JP" sz="1100" dirty="0">
                             <a:solidFill>
                               <a:sysClr val="windowText" lastClr="000000"/>
                             </a:solidFill>
@@ -4062,123 +4185,99 @@
                       </a:ext>
                     </a:extLst>
                   </a:tr>
-                  <a:tr h="402026">
+                  <a:tr h="403654">
                     <a:tc>
                       <a:txBody>
                         <a:bodyPr/>
                         <a:lstStyle/>
                         <a:p>
                           <a:pPr algn="ctr"/>
-                          <a14:m>
-                            <m:oMath xmlns:m="http://schemas.openxmlformats.org/officeDocument/2006/math">
-                              <m:sSub>
-                                <m:sSubPr>
-                                  <m:ctrlPr>
-                                    <a:rPr kumimoji="1" lang="en-US" altLang="ja-JP" sz="1400" b="0" i="1" smtClean="0">
-                                      <a:solidFill>
-                                        <a:sysClr val="windowText" lastClr="000000"/>
-                                      </a:solidFill>
-                                      <a:latin typeface="Cambria Math" panose="02040503050406030204" pitchFamily="18" charset="0"/>
-                                    </a:rPr>
-                                  </m:ctrlPr>
-                                </m:sSubPr>
-                                <m:e>
-                                  <m:r>
-                                    <a:rPr kumimoji="1" lang="en-US" altLang="ja-JP" sz="1400" b="0" i="1" smtClean="0">
-                                      <a:solidFill>
-                                        <a:sysClr val="windowText" lastClr="000000"/>
-                                      </a:solidFill>
-                                      <a:latin typeface="Cambria Math" panose="02040503050406030204" pitchFamily="18" charset="0"/>
-                                    </a:rPr>
-                                    <m:t>𝜏</m:t>
-                                  </m:r>
-                                </m:e>
-                                <m:sub>
-                                  <m:r>
-                                    <a:rPr kumimoji="1" lang="en-US" altLang="ja-JP" sz="1400" b="0" i="1" smtClean="0">
-                                      <a:solidFill>
-                                        <a:sysClr val="windowText" lastClr="000000"/>
-                                      </a:solidFill>
-                                      <a:latin typeface="Cambria Math" panose="02040503050406030204" pitchFamily="18" charset="0"/>
-                                    </a:rPr>
-                                    <m:t>𝑚𝑎𝑠𝑠</m:t>
-                                  </m:r>
-                                </m:sub>
-                              </m:sSub>
-                            </m:oMath>
-                          </a14:m>
                           <a:r>
-                            <a:rPr kumimoji="1" lang="ja-JP" altLang="en-US" sz="1400" dirty="0">
+                            <a:rPr kumimoji="1" lang="ja-JP" altLang="en-US" sz="1100" dirty="0">
                               <a:solidFill>
                                 <a:sysClr val="windowText" lastClr="000000"/>
                               </a:solidFill>
                               <a:latin typeface="HG明朝B" panose="02020809000000000000" pitchFamily="17" charset="-128"/>
                               <a:ea typeface="HG明朝B" panose="02020809000000000000" pitchFamily="17" charset="-128"/>
                             </a:rPr>
-                            <a:t> </a:t>
+                            <a:t>遷移 </a:t>
                           </a:r>
                           <a:r>
-                            <a:rPr kumimoji="1" lang="en-US" altLang="ja-JP" sz="1400" dirty="0">
+                            <a:rPr kumimoji="1" lang="en-US" altLang="ja-JP" sz="1100" dirty="0">
                               <a:solidFill>
                                 <a:sysClr val="windowText" lastClr="000000"/>
                               </a:solidFill>
                               <a:latin typeface="HG明朝B" panose="02020809000000000000" pitchFamily="17" charset="-128"/>
                               <a:ea typeface="HG明朝B" panose="02020809000000000000" pitchFamily="17" charset="-128"/>
                             </a:rPr>
-                            <a:t>[</a:t>
+                            <a:t>[T]</a:t>
                           </a:r>
-                          <a14:m>
-                            <m:oMath xmlns:m="http://schemas.openxmlformats.org/officeDocument/2006/math">
-                              <m:sSup>
-                                <m:sSupPr>
-                                  <m:ctrlPr>
-                                    <a:rPr kumimoji="1" lang="en-US" altLang="ja-JP" sz="1400" b="0" i="1" smtClean="0">
-                                      <a:solidFill>
-                                        <a:sysClr val="windowText" lastClr="000000"/>
-                                      </a:solidFill>
-                                      <a:latin typeface="Cambria Math" panose="02040503050406030204" pitchFamily="18" charset="0"/>
-                                    </a:rPr>
-                                  </m:ctrlPr>
-                                </m:sSupPr>
-                                <m:e>
-                                  <m:r>
-                                    <m:rPr>
-                                      <m:sty m:val="p"/>
-                                    </m:rPr>
-                                    <a:rPr kumimoji="1" lang="en-US" altLang="ja-JP" sz="1400" b="0" i="0" smtClean="0">
-                                      <a:solidFill>
-                                        <a:sysClr val="windowText" lastClr="000000"/>
-                                      </a:solidFill>
-                                      <a:latin typeface="Cambria Math" panose="02040503050406030204" pitchFamily="18" charset="0"/>
-                                    </a:rPr>
-                                    <m:t>s</m:t>
-                                  </m:r>
-                                </m:e>
-                                <m:sup>
-                                  <m:r>
-                                    <a:rPr kumimoji="1" lang="en-US" altLang="ja-JP" sz="1400" b="0" i="0" smtClean="0">
-                                      <a:solidFill>
-                                        <a:sysClr val="windowText" lastClr="000000"/>
-                                      </a:solidFill>
-                                      <a:latin typeface="Cambria Math" panose="02040503050406030204" pitchFamily="18" charset="0"/>
-                                    </a:rPr>
-                                    <m:t>−1</m:t>
-                                  </m:r>
-                                </m:sup>
-                              </m:sSup>
-                            </m:oMath>
-                          </a14:m>
+                          <a:endParaRPr kumimoji="1" lang="ja-JP" altLang="en-US" sz="1100" dirty="0">
+                            <a:solidFill>
+                              <a:sysClr val="windowText" lastClr="000000"/>
+                            </a:solidFill>
+                            <a:latin typeface="HG明朝B" panose="02020809000000000000" pitchFamily="17" charset="-128"/>
+                            <a:ea typeface="HG明朝B" panose="02020809000000000000" pitchFamily="17" charset="-128"/>
+                          </a:endParaRPr>
+                        </a:p>
+                      </a:txBody>
+                      <a:tcPr>
+                        <a:lnL w="12700" cap="flat" cmpd="sng" algn="ctr">
+                          <a:solidFill>
+                            <a:schemeClr val="tx1"/>
+                          </a:solidFill>
+                          <a:prstDash val="solid"/>
+                          <a:round/>
+                          <a:headEnd type="none" w="med" len="med"/>
+                          <a:tailEnd type="none" w="med" len="med"/>
+                        </a:lnL>
+                        <a:lnR w="12700" cap="flat" cmpd="sng" algn="ctr">
+                          <a:solidFill>
+                            <a:schemeClr val="tx1"/>
+                          </a:solidFill>
+                          <a:prstDash val="solid"/>
+                          <a:round/>
+                          <a:headEnd type="none" w="med" len="med"/>
+                          <a:tailEnd type="none" w="med" len="med"/>
+                        </a:lnR>
+                        <a:lnT w="12700" cap="flat" cmpd="sng" algn="ctr">
+                          <a:solidFill>
+                            <a:schemeClr val="tx1"/>
+                          </a:solidFill>
+                          <a:prstDash val="solid"/>
+                          <a:round/>
+                          <a:headEnd type="none" w="med" len="med"/>
+                          <a:tailEnd type="none" w="med" len="med"/>
+                        </a:lnT>
+                        <a:lnB w="12700" cap="flat" cmpd="sng" algn="ctr">
+                          <a:solidFill>
+                            <a:schemeClr val="tx1"/>
+                          </a:solidFill>
+                          <a:prstDash val="solid"/>
+                          <a:round/>
+                          <a:headEnd type="none" w="med" len="med"/>
+                          <a:tailEnd type="none" w="med" len="med"/>
+                        </a:lnB>
+                        <a:noFill/>
+                      </a:tcPr>
+                    </a:tc>
+                    <a:tc>
+                      <a:txBody>
+                        <a:bodyPr/>
+                        <a:lstStyle/>
+                        <a:p>
+                          <a:pPr algn="ctr"/>
                           <a:r>
-                            <a:rPr kumimoji="1" lang="en-US" altLang="ja-JP" sz="1400" dirty="0">
+                            <a:rPr kumimoji="1" lang="ja-JP" altLang="en-US" sz="1100" dirty="0">
                               <a:solidFill>
                                 <a:sysClr val="windowText" lastClr="000000"/>
                               </a:solidFill>
                               <a:latin typeface="HG明朝B" panose="02020809000000000000" pitchFamily="17" charset="-128"/>
                               <a:ea typeface="HG明朝B" panose="02020809000000000000" pitchFamily="17" charset="-128"/>
                             </a:rPr>
-                            <a:t>]</a:t>
+                            <a:t>比較的大きい，高気圧性渦と低気圧性渦が形成．</a:t>
                           </a:r>
-                          <a:endParaRPr kumimoji="1" lang="ja-JP" altLang="en-US" sz="1400" dirty="0">
+                          <a:endParaRPr kumimoji="1" lang="en-US" altLang="ja-JP" sz="1100" dirty="0">
                             <a:solidFill>
                               <a:sysClr val="windowText" lastClr="000000"/>
                             </a:solidFill>
@@ -4240,52 +4339,123 @@
                               </m:oMathParaPr>
                               <m:oMath xmlns:m="http://schemas.openxmlformats.org/officeDocument/2006/math">
                                 <m:r>
-                                  <a:rPr kumimoji="1" lang="en-US" altLang="ja-JP" sz="1400" b="0" i="1" smtClean="0">
+                                  <a:rPr kumimoji="1" lang="en-US" altLang="ja-JP" sz="1100" b="0" i="1" smtClean="0">
                                     <a:solidFill>
                                       <a:sysClr val="windowText" lastClr="000000"/>
                                     </a:solidFill>
                                     <a:latin typeface="Cambria Math" panose="02040503050406030204" pitchFamily="18" charset="0"/>
+                                    <a:ea typeface="HG明朝B" panose="02020809000000000000" pitchFamily="17" charset="-128"/>
                                   </a:rPr>
-                                  <m:t>1.0×</m:t>
+                                  <m:t>4.00×</m:t>
                                 </m:r>
                                 <m:sSup>
                                   <m:sSupPr>
                                     <m:ctrlPr>
-                                      <a:rPr kumimoji="1" lang="en-US" altLang="ja-JP" sz="1400" b="0" i="1" smtClean="0">
+                                      <a:rPr kumimoji="1" lang="en-US" altLang="ja-JP" sz="1100" b="0" i="1" smtClean="0">
                                         <a:solidFill>
                                           <a:sysClr val="windowText" lastClr="000000"/>
                                         </a:solidFill>
                                         <a:latin typeface="Cambria Math" panose="02040503050406030204" pitchFamily="18" charset="0"/>
+                                        <a:ea typeface="HG明朝B" panose="02020809000000000000" pitchFamily="17" charset="-128"/>
                                       </a:rPr>
                                     </m:ctrlPr>
                                   </m:sSupPr>
                                   <m:e>
                                     <m:r>
-                                      <a:rPr kumimoji="1" lang="en-US" altLang="ja-JP" sz="1400" b="0" i="1" smtClean="0">
+                                      <a:rPr kumimoji="1" lang="en-US" altLang="ja-JP" sz="1100" b="0" i="1" smtClean="0">
                                         <a:solidFill>
                                           <a:sysClr val="windowText" lastClr="000000"/>
                                         </a:solidFill>
                                         <a:latin typeface="Cambria Math" panose="02040503050406030204" pitchFamily="18" charset="0"/>
+                                        <a:ea typeface="HG明朝B" panose="02020809000000000000" pitchFamily="17" charset="-128"/>
                                       </a:rPr>
                                       <m:t>10</m:t>
                                     </m:r>
                                   </m:e>
                                   <m:sup>
                                     <m:r>
-                                      <a:rPr kumimoji="1" lang="en-US" altLang="ja-JP" sz="1400" b="0" i="1" smtClean="0">
+                                      <a:rPr kumimoji="1" lang="en-US" altLang="ja-JP" sz="1100" b="0" i="1" smtClean="0">
                                         <a:solidFill>
                                           <a:sysClr val="windowText" lastClr="000000"/>
                                         </a:solidFill>
                                         <a:latin typeface="Cambria Math" panose="02040503050406030204" pitchFamily="18" charset="0"/>
+                                        <a:ea typeface="HG明朝B" panose="02020809000000000000" pitchFamily="17" charset="-128"/>
                                       </a:rPr>
-                                      <m:t>6</m:t>
+                                      <m:t>−4</m:t>
+                                    </m:r>
+                                  </m:sup>
+                                </m:sSup>
+                                <m:r>
+                                  <a:rPr kumimoji="1" lang="en-US" altLang="ja-JP" sz="1100" b="0" i="1" smtClean="0">
+                                    <a:solidFill>
+                                      <a:sysClr val="windowText" lastClr="000000"/>
+                                    </a:solidFill>
+                                    <a:latin typeface="Cambria Math" panose="02040503050406030204" pitchFamily="18" charset="0"/>
+                                    <a:ea typeface="HG明朝B" panose="02020809000000000000" pitchFamily="17" charset="-128"/>
+                                  </a:rPr>
+                                  <m:t>≤</m:t>
+                                </m:r>
+                                <m:r>
+                                  <a:rPr kumimoji="1" lang="en-US" altLang="ja-JP" sz="1100" b="0" i="1" smtClean="0">
+                                    <a:solidFill>
+                                      <a:sysClr val="windowText" lastClr="000000"/>
+                                    </a:solidFill>
+                                    <a:latin typeface="Cambria Math" panose="02040503050406030204" pitchFamily="18" charset="0"/>
+                                    <a:ea typeface="HG明朝B" panose="02020809000000000000" pitchFamily="17" charset="-128"/>
+                                  </a:rPr>
+                                  <m:t>𝐵𝑢</m:t>
+                                </m:r>
+                                <m:r>
+                                  <a:rPr kumimoji="1" lang="en-US" altLang="ja-JP" sz="1100" b="0" i="1" smtClean="0">
+                                    <a:solidFill>
+                                      <a:sysClr val="windowText" lastClr="000000"/>
+                                    </a:solidFill>
+                                    <a:latin typeface="Cambria Math" panose="02040503050406030204" pitchFamily="18" charset="0"/>
+                                    <a:ea typeface="HG明朝B" panose="02020809000000000000" pitchFamily="17" charset="-128"/>
+                                  </a:rPr>
+                                  <m:t>≤8.16×</m:t>
+                                </m:r>
+                                <m:sSup>
+                                  <m:sSupPr>
+                                    <m:ctrlPr>
+                                      <a:rPr kumimoji="1" lang="en-US" altLang="ja-JP" sz="1100" b="0" i="1" smtClean="0">
+                                        <a:solidFill>
+                                          <a:sysClr val="windowText" lastClr="000000"/>
+                                        </a:solidFill>
+                                        <a:latin typeface="Cambria Math" panose="02040503050406030204" pitchFamily="18" charset="0"/>
+                                        <a:ea typeface="HG明朝B" panose="02020809000000000000" pitchFamily="17" charset="-128"/>
+                                      </a:rPr>
+                                    </m:ctrlPr>
+                                  </m:sSupPr>
+                                  <m:e>
+                                    <m:r>
+                                      <a:rPr kumimoji="1" lang="en-US" altLang="ja-JP" sz="1100" b="0" i="1" smtClean="0">
+                                        <a:solidFill>
+                                          <a:sysClr val="windowText" lastClr="000000"/>
+                                        </a:solidFill>
+                                        <a:latin typeface="Cambria Math" panose="02040503050406030204" pitchFamily="18" charset="0"/>
+                                        <a:ea typeface="HG明朝B" panose="02020809000000000000" pitchFamily="17" charset="-128"/>
+                                      </a:rPr>
+                                      <m:t>10</m:t>
+                                    </m:r>
+                                  </m:e>
+                                  <m:sup>
+                                    <m:r>
+                                      <a:rPr kumimoji="1" lang="en-US" altLang="ja-JP" sz="1100" b="0" i="1" smtClean="0">
+                                        <a:solidFill>
+                                          <a:sysClr val="windowText" lastClr="000000"/>
+                                        </a:solidFill>
+                                        <a:latin typeface="Cambria Math" panose="02040503050406030204" pitchFamily="18" charset="0"/>
+                                        <a:ea typeface="HG明朝B" panose="02020809000000000000" pitchFamily="17" charset="-128"/>
+                                      </a:rPr>
+                                      <m:t>−4</m:t>
                                     </m:r>
                                   </m:sup>
                                 </m:sSup>
                               </m:oMath>
                             </m:oMathPara>
                           </a14:m>
-                          <a:endParaRPr kumimoji="1" lang="en-US" altLang="ja-JP" sz="1400" dirty="0">
+                          <a:endParaRPr kumimoji="1" lang="en-US" altLang="ja-JP" sz="1100" dirty="0">
                             <a:solidFill>
                               <a:sysClr val="windowText" lastClr="000000"/>
                             </a:solidFill>
@@ -4340,7 +4510,7 @@
                       </a:ext>
                     </a:extLst>
                   </a:tr>
-                  <a:tr h="402026">
+                  <a:tr h="324172">
                     <a:tc>
                       <a:txBody>
                         <a:bodyPr/>
@@ -4348,15 +4518,32 @@
                         <a:p>
                           <a:pPr algn="ctr"/>
                           <a:r>
-                            <a:rPr kumimoji="1" lang="ja-JP" altLang="en-US" sz="1400" dirty="0">
+                            <a:rPr kumimoji="1" lang="ja-JP" altLang="en-US" sz="1100" dirty="0">
                               <a:solidFill>
                                 <a:sysClr val="windowText" lastClr="000000"/>
                               </a:solidFill>
                               <a:latin typeface="HG明朝B" panose="02020809000000000000" pitchFamily="17" charset="-128"/>
                               <a:ea typeface="HG明朝B" panose="02020809000000000000" pitchFamily="17" charset="-128"/>
                             </a:rPr>
-                            <a:t>雷雲の個数</a:t>
+                            <a:t>土星的 </a:t>
                           </a:r>
+                          <a:r>
+                            <a:rPr kumimoji="1" lang="en-US" altLang="ja-JP" sz="1100" dirty="0">
+                              <a:solidFill>
+                                <a:sysClr val="windowText" lastClr="000000"/>
+                              </a:solidFill>
+                              <a:latin typeface="HG明朝B" panose="02020809000000000000" pitchFamily="17" charset="-128"/>
+                              <a:ea typeface="HG明朝B" panose="02020809000000000000" pitchFamily="17" charset="-128"/>
+                            </a:rPr>
+                            <a:t>[S]</a:t>
+                          </a:r>
+                          <a:endParaRPr kumimoji="1" lang="ja-JP" altLang="en-US" sz="1100" dirty="0">
+                            <a:solidFill>
+                              <a:sysClr val="windowText" lastClr="000000"/>
+                            </a:solidFill>
+                            <a:latin typeface="HG明朝B" panose="02020809000000000000" pitchFamily="17" charset="-128"/>
+                            <a:ea typeface="HG明朝B" panose="02020809000000000000" pitchFamily="17" charset="-128"/>
+                          </a:endParaRPr>
                         </a:p>
                       </a:txBody>
                       <a:tcPr>
@@ -4406,16 +4593,187 @@
                         <a:p>
                           <a:pPr algn="ctr"/>
                           <a:r>
-                            <a:rPr kumimoji="1" lang="en-US" altLang="ja-JP" sz="1400" dirty="0">
+                            <a:rPr kumimoji="1" lang="ja-JP" altLang="en-US" sz="1100" dirty="0">
                               <a:solidFill>
                                 <a:sysClr val="windowText" lastClr="000000"/>
                               </a:solidFill>
                               <a:latin typeface="HG明朝B" panose="02020809000000000000" pitchFamily="17" charset="-128"/>
                               <a:ea typeface="HG明朝B" panose="02020809000000000000" pitchFamily="17" charset="-128"/>
                             </a:rPr>
-                            <a:t>50</a:t>
+                            <a:t>極を中心とした低気圧性渦が形成．</a:t>
                           </a:r>
-                          <a:endParaRPr kumimoji="1" lang="ja-JP" altLang="en-US" sz="1400" dirty="0">
+                        </a:p>
+                      </a:txBody>
+                      <a:tcPr>
+                        <a:lnL w="12700" cap="flat" cmpd="sng" algn="ctr">
+                          <a:solidFill>
+                            <a:schemeClr val="tx1"/>
+                          </a:solidFill>
+                          <a:prstDash val="solid"/>
+                          <a:round/>
+                          <a:headEnd type="none" w="med" len="med"/>
+                          <a:tailEnd type="none" w="med" len="med"/>
+                        </a:lnL>
+                        <a:lnR w="12700" cap="flat" cmpd="sng" algn="ctr">
+                          <a:solidFill>
+                            <a:schemeClr val="tx1"/>
+                          </a:solidFill>
+                          <a:prstDash val="solid"/>
+                          <a:round/>
+                          <a:headEnd type="none" w="med" len="med"/>
+                          <a:tailEnd type="none" w="med" len="med"/>
+                        </a:lnR>
+                        <a:lnT w="12700" cap="flat" cmpd="sng" algn="ctr">
+                          <a:solidFill>
+                            <a:schemeClr val="tx1"/>
+                          </a:solidFill>
+                          <a:prstDash val="solid"/>
+                          <a:round/>
+                          <a:headEnd type="none" w="med" len="med"/>
+                          <a:tailEnd type="none" w="med" len="med"/>
+                        </a:lnT>
+                        <a:lnB w="12700" cap="flat" cmpd="sng" algn="ctr">
+                          <a:solidFill>
+                            <a:schemeClr val="tx1"/>
+                          </a:solidFill>
+                          <a:prstDash val="solid"/>
+                          <a:round/>
+                          <a:headEnd type="none" w="med" len="med"/>
+                          <a:tailEnd type="none" w="med" len="med"/>
+                        </a:lnB>
+                        <a:noFill/>
+                      </a:tcPr>
+                    </a:tc>
+                    <a:tc>
+                      <a:txBody>
+                        <a:bodyPr/>
+                        <a:lstStyle/>
+                        <a:p>
+                          <a:pPr algn="ctr"/>
+                          <a14:m>
+                            <m:oMathPara xmlns:m="http://schemas.openxmlformats.org/officeDocument/2006/math">
+                              <m:oMathParaPr>
+                                <m:jc m:val="centerGroup"/>
+                              </m:oMathParaPr>
+                              <m:oMath xmlns:m="http://schemas.openxmlformats.org/officeDocument/2006/math">
+                                <m:r>
+                                  <a:rPr kumimoji="1" lang="en-US" altLang="ja-JP" sz="1100" b="0" i="1" smtClean="0">
+                                    <a:solidFill>
+                                      <a:sysClr val="windowText" lastClr="000000"/>
+                                    </a:solidFill>
+                                    <a:latin typeface="Cambria Math" panose="02040503050406030204" pitchFamily="18" charset="0"/>
+                                    <a:ea typeface="HG明朝B" panose="02020809000000000000" pitchFamily="17" charset="-128"/>
+                                  </a:rPr>
+                                  <m:t>8.16×</m:t>
+                                </m:r>
+                                <m:sSup>
+                                  <m:sSupPr>
+                                    <m:ctrlPr>
+                                      <a:rPr kumimoji="1" lang="en-US" altLang="ja-JP" sz="1100" b="0" i="1" smtClean="0">
+                                        <a:solidFill>
+                                          <a:sysClr val="windowText" lastClr="000000"/>
+                                        </a:solidFill>
+                                        <a:latin typeface="Cambria Math" panose="02040503050406030204" pitchFamily="18" charset="0"/>
+                                        <a:ea typeface="HG明朝B" panose="02020809000000000000" pitchFamily="17" charset="-128"/>
+                                      </a:rPr>
+                                    </m:ctrlPr>
+                                  </m:sSupPr>
+                                  <m:e>
+                                    <m:r>
+                                      <a:rPr kumimoji="1" lang="en-US" altLang="ja-JP" sz="1100" b="0" i="1" smtClean="0">
+                                        <a:solidFill>
+                                          <a:sysClr val="windowText" lastClr="000000"/>
+                                        </a:solidFill>
+                                        <a:latin typeface="Cambria Math" panose="02040503050406030204" pitchFamily="18" charset="0"/>
+                                        <a:ea typeface="HG明朝B" panose="02020809000000000000" pitchFamily="17" charset="-128"/>
+                                      </a:rPr>
+                                      <m:t>10</m:t>
+                                    </m:r>
+                                  </m:e>
+                                  <m:sup>
+                                    <m:r>
+                                      <a:rPr kumimoji="1" lang="en-US" altLang="ja-JP" sz="1100" b="0" i="1" smtClean="0">
+                                        <a:solidFill>
+                                          <a:sysClr val="windowText" lastClr="000000"/>
+                                        </a:solidFill>
+                                        <a:latin typeface="Cambria Math" panose="02040503050406030204" pitchFamily="18" charset="0"/>
+                                        <a:ea typeface="HG明朝B" panose="02020809000000000000" pitchFamily="17" charset="-128"/>
+                                      </a:rPr>
+                                      <m:t>−4</m:t>
+                                    </m:r>
+                                  </m:sup>
+                                </m:sSup>
+                                <m:r>
+                                  <a:rPr kumimoji="1" lang="en-US" altLang="ja-JP" sz="1100" b="0" i="1" smtClean="0">
+                                    <a:solidFill>
+                                      <a:sysClr val="windowText" lastClr="000000"/>
+                                    </a:solidFill>
+                                    <a:latin typeface="Cambria Math" panose="02040503050406030204" pitchFamily="18" charset="0"/>
+                                    <a:ea typeface="HG明朝B" panose="02020809000000000000" pitchFamily="17" charset="-128"/>
+                                  </a:rPr>
+                                  <m:t>≤</m:t>
+                                </m:r>
+                                <m:r>
+                                  <a:rPr kumimoji="1" lang="en-US" altLang="ja-JP" sz="1100" b="0" i="1" smtClean="0">
+                                    <a:solidFill>
+                                      <a:sysClr val="windowText" lastClr="000000"/>
+                                    </a:solidFill>
+                                    <a:latin typeface="Cambria Math" panose="02040503050406030204" pitchFamily="18" charset="0"/>
+                                    <a:ea typeface="HG明朝B" panose="02020809000000000000" pitchFamily="17" charset="-128"/>
+                                  </a:rPr>
+                                  <m:t>𝐵𝑢</m:t>
+                                </m:r>
+                                <m:r>
+                                  <a:rPr kumimoji="1" lang="en-US" altLang="ja-JP" sz="1100" b="0" i="1" smtClean="0">
+                                    <a:solidFill>
+                                      <a:sysClr val="windowText" lastClr="000000"/>
+                                    </a:solidFill>
+                                    <a:latin typeface="Cambria Math" panose="02040503050406030204" pitchFamily="18" charset="0"/>
+                                    <a:ea typeface="HG明朝B" panose="02020809000000000000" pitchFamily="17" charset="-128"/>
+                                  </a:rPr>
+                                  <m:t>≤2.50×</m:t>
+                                </m:r>
+                                <m:sSup>
+                                  <m:sSupPr>
+                                    <m:ctrlPr>
+                                      <a:rPr kumimoji="1" lang="en-US" altLang="ja-JP" sz="1100" b="0" i="1" smtClean="0">
+                                        <a:solidFill>
+                                          <a:sysClr val="windowText" lastClr="000000"/>
+                                        </a:solidFill>
+                                        <a:latin typeface="Cambria Math" panose="02040503050406030204" pitchFamily="18" charset="0"/>
+                                        <a:ea typeface="HG明朝B" panose="02020809000000000000" pitchFamily="17" charset="-128"/>
+                                      </a:rPr>
+                                    </m:ctrlPr>
+                                  </m:sSupPr>
+                                  <m:e>
+                                    <m:r>
+                                      <a:rPr kumimoji="1" lang="en-US" altLang="ja-JP" sz="1100" b="0" i="1" smtClean="0">
+                                        <a:solidFill>
+                                          <a:sysClr val="windowText" lastClr="000000"/>
+                                        </a:solidFill>
+                                        <a:latin typeface="Cambria Math" panose="02040503050406030204" pitchFamily="18" charset="0"/>
+                                        <a:ea typeface="HG明朝B" panose="02020809000000000000" pitchFamily="17" charset="-128"/>
+                                      </a:rPr>
+                                      <m:t>10</m:t>
+                                    </m:r>
+                                  </m:e>
+                                  <m:sup>
+                                    <m:r>
+                                      <a:rPr kumimoji="1" lang="en-US" altLang="ja-JP" sz="1100" b="0" i="1" smtClean="0">
+                                        <a:solidFill>
+                                          <a:sysClr val="windowText" lastClr="000000"/>
+                                        </a:solidFill>
+                                        <a:latin typeface="Cambria Math" panose="02040503050406030204" pitchFamily="18" charset="0"/>
+                                        <a:ea typeface="HG明朝B" panose="02020809000000000000" pitchFamily="17" charset="-128"/>
+                                      </a:rPr>
+                                      <m:t>−3</m:t>
+                                    </m:r>
+                                  </m:sup>
+                                </m:sSup>
+                              </m:oMath>
+                            </m:oMathPara>
+                          </a14:m>
+                          <a:endParaRPr kumimoji="1" lang="ja-JP" altLang="en-US" sz="1100" dirty="0">
                             <a:solidFill>
                               <a:sysClr val="windowText" lastClr="000000"/>
                             </a:solidFill>
@@ -4470,7 +4828,7 @@
                       </a:ext>
                     </a:extLst>
                   </a:tr>
-                  <a:tr h="402026">
+                  <a:tr h="403654">
                     <a:tc>
                       <a:txBody>
                         <a:bodyPr/>
@@ -4478,15 +4836,32 @@
                         <a:p>
                           <a:pPr algn="ctr"/>
                           <a:r>
-                            <a:rPr kumimoji="1" lang="ja-JP" altLang="en-US" sz="1400" dirty="0">
+                            <a:rPr kumimoji="1" lang="ja-JP" altLang="en-US" sz="1100" dirty="0">
                               <a:solidFill>
                                 <a:sysClr val="windowText" lastClr="000000"/>
                               </a:solidFill>
                               <a:latin typeface="HG明朝B" panose="02020809000000000000" pitchFamily="17" charset="-128"/>
                               <a:ea typeface="HG明朝B" panose="02020809000000000000" pitchFamily="17" charset="-128"/>
                             </a:rPr>
-                            <a:t>超粘性の次数</a:t>
+                            <a:t>巨大氷惑星的 </a:t>
                           </a:r>
+                          <a:r>
+                            <a:rPr kumimoji="1" lang="en-US" altLang="ja-JP" sz="1100" dirty="0">
+                              <a:solidFill>
+                                <a:sysClr val="windowText" lastClr="000000"/>
+                              </a:solidFill>
+                              <a:latin typeface="HG明朝B" panose="02020809000000000000" pitchFamily="17" charset="-128"/>
+                              <a:ea typeface="HG明朝B" panose="02020809000000000000" pitchFamily="17" charset="-128"/>
+                            </a:rPr>
+                            <a:t>[I]</a:t>
+                          </a:r>
+                          <a:endParaRPr kumimoji="1" lang="ja-JP" altLang="en-US" sz="1100" dirty="0">
+                            <a:solidFill>
+                              <a:sysClr val="windowText" lastClr="000000"/>
+                            </a:solidFill>
+                            <a:latin typeface="HG明朝B" panose="02020809000000000000" pitchFamily="17" charset="-128"/>
+                            <a:ea typeface="HG明朝B" panose="02020809000000000000" pitchFamily="17" charset="-128"/>
+                          </a:endParaRPr>
                         </a:p>
                       </a:txBody>
                       <a:tcPr>
@@ -4536,15 +4911,163 @@
                         <a:p>
                           <a:pPr algn="ctr"/>
                           <a:r>
-                            <a:rPr kumimoji="1" lang="en-US" altLang="ja-JP" sz="1400" dirty="0">
+                            <a:rPr kumimoji="1" lang="ja-JP" altLang="en-US" sz="1100" dirty="0">
                               <a:solidFill>
                                 <a:sysClr val="windowText" lastClr="000000"/>
                               </a:solidFill>
                               <a:latin typeface="HG明朝B" panose="02020809000000000000" pitchFamily="17" charset="-128"/>
                               <a:ea typeface="HG明朝B" panose="02020809000000000000" pitchFamily="17" charset="-128"/>
                             </a:rPr>
-                            <a:t>4</a:t>
+                            <a:t>土星的レジームより，風速の大きい</a:t>
                           </a:r>
+                          <a:endParaRPr kumimoji="1" lang="en-US" altLang="ja-JP" sz="1100" dirty="0">
+                            <a:solidFill>
+                              <a:sysClr val="windowText" lastClr="000000"/>
+                            </a:solidFill>
+                            <a:latin typeface="HG明朝B" panose="02020809000000000000" pitchFamily="17" charset="-128"/>
+                            <a:ea typeface="HG明朝B" panose="02020809000000000000" pitchFamily="17" charset="-128"/>
+                          </a:endParaRPr>
+                        </a:p>
+                        <a:p>
+                          <a:pPr algn="ctr"/>
+                          <a:r>
+                            <a:rPr kumimoji="1" lang="ja-JP" altLang="en-US" sz="1100" dirty="0">
+                              <a:solidFill>
+                                <a:sysClr val="windowText" lastClr="000000"/>
+                              </a:solidFill>
+                              <a:latin typeface="HG明朝B" panose="02020809000000000000" pitchFamily="17" charset="-128"/>
+                              <a:ea typeface="HG明朝B" panose="02020809000000000000" pitchFamily="17" charset="-128"/>
+                            </a:rPr>
+                            <a:t>極を中心とした低気圧性渦が形成．</a:t>
+                          </a:r>
+                          <a:endParaRPr kumimoji="1" lang="en-US" altLang="ja-JP" sz="1100" dirty="0">
+                            <a:solidFill>
+                              <a:sysClr val="windowText" lastClr="000000"/>
+                            </a:solidFill>
+                            <a:latin typeface="HG明朝B" panose="02020809000000000000" pitchFamily="17" charset="-128"/>
+                            <a:ea typeface="HG明朝B" panose="02020809000000000000" pitchFamily="17" charset="-128"/>
+                          </a:endParaRPr>
+                        </a:p>
+                      </a:txBody>
+                      <a:tcPr>
+                        <a:lnL w="12700" cap="flat" cmpd="sng" algn="ctr">
+                          <a:solidFill>
+                            <a:schemeClr val="tx1"/>
+                          </a:solidFill>
+                          <a:prstDash val="solid"/>
+                          <a:round/>
+                          <a:headEnd type="none" w="med" len="med"/>
+                          <a:tailEnd type="none" w="med" len="med"/>
+                        </a:lnL>
+                        <a:lnR w="12700" cap="flat" cmpd="sng" algn="ctr">
+                          <a:solidFill>
+                            <a:schemeClr val="tx1"/>
+                          </a:solidFill>
+                          <a:prstDash val="solid"/>
+                          <a:round/>
+                          <a:headEnd type="none" w="med" len="med"/>
+                          <a:tailEnd type="none" w="med" len="med"/>
+                        </a:lnR>
+                        <a:lnT w="12700" cap="flat" cmpd="sng" algn="ctr">
+                          <a:solidFill>
+                            <a:schemeClr val="tx1"/>
+                          </a:solidFill>
+                          <a:prstDash val="solid"/>
+                          <a:round/>
+                          <a:headEnd type="none" w="med" len="med"/>
+                          <a:tailEnd type="none" w="med" len="med"/>
+                        </a:lnT>
+                        <a:lnB w="12700" cap="flat" cmpd="sng" algn="ctr">
+                          <a:solidFill>
+                            <a:schemeClr val="tx1"/>
+                          </a:solidFill>
+                          <a:prstDash val="solid"/>
+                          <a:round/>
+                          <a:headEnd type="none" w="med" len="med"/>
+                          <a:tailEnd type="none" w="med" len="med"/>
+                        </a:lnB>
+                        <a:noFill/>
+                      </a:tcPr>
+                    </a:tc>
+                    <a:tc>
+                      <a:txBody>
+                        <a:bodyPr/>
+                        <a:lstStyle/>
+                        <a:p>
+                          <a:pPr algn="ctr"/>
+                          <a14:m>
+                            <m:oMathPara xmlns:m="http://schemas.openxmlformats.org/officeDocument/2006/math">
+                              <m:oMathParaPr>
+                                <m:jc m:val="centerGroup"/>
+                              </m:oMathParaPr>
+                              <m:oMath xmlns:m="http://schemas.openxmlformats.org/officeDocument/2006/math">
+                                <m:r>
+                                  <a:rPr kumimoji="1" lang="en-US" altLang="ja-JP" sz="1100" b="0" i="1" smtClean="0">
+                                    <a:solidFill>
+                                      <a:sysClr val="windowText" lastClr="000000"/>
+                                    </a:solidFill>
+                                    <a:latin typeface="Cambria Math" panose="02040503050406030204" pitchFamily="18" charset="0"/>
+                                    <a:ea typeface="HG明朝B" panose="02020809000000000000" pitchFamily="17" charset="-128"/>
+                                  </a:rPr>
+                                  <m:t>𝐵𝑢</m:t>
+                                </m:r>
+                                <m:r>
+                                  <a:rPr kumimoji="1" lang="en-US" altLang="ja-JP" sz="1100" b="0" i="1" smtClean="0">
+                                    <a:solidFill>
+                                      <a:sysClr val="windowText" lastClr="000000"/>
+                                    </a:solidFill>
+                                    <a:latin typeface="Cambria Math" panose="02040503050406030204" pitchFamily="18" charset="0"/>
+                                    <a:ea typeface="HG明朝B" panose="02020809000000000000" pitchFamily="17" charset="-128"/>
+                                  </a:rPr>
+                                  <m:t>≥4.44×</m:t>
+                                </m:r>
+                                <m:sSup>
+                                  <m:sSupPr>
+                                    <m:ctrlPr>
+                                      <a:rPr kumimoji="1" lang="en-US" altLang="ja-JP" sz="1100" b="0" i="1" smtClean="0">
+                                        <a:solidFill>
+                                          <a:sysClr val="windowText" lastClr="000000"/>
+                                        </a:solidFill>
+                                        <a:latin typeface="Cambria Math" panose="02040503050406030204" pitchFamily="18" charset="0"/>
+                                        <a:ea typeface="HG明朝B" panose="02020809000000000000" pitchFamily="17" charset="-128"/>
+                                      </a:rPr>
+                                    </m:ctrlPr>
+                                  </m:sSupPr>
+                                  <m:e>
+                                    <m:r>
+                                      <a:rPr kumimoji="1" lang="en-US" altLang="ja-JP" sz="1100" b="0" i="1" smtClean="0">
+                                        <a:solidFill>
+                                          <a:sysClr val="windowText" lastClr="000000"/>
+                                        </a:solidFill>
+                                        <a:latin typeface="Cambria Math" panose="02040503050406030204" pitchFamily="18" charset="0"/>
+                                        <a:ea typeface="HG明朝B" panose="02020809000000000000" pitchFamily="17" charset="-128"/>
+                                      </a:rPr>
+                                      <m:t>10</m:t>
+                                    </m:r>
+                                  </m:e>
+                                  <m:sup>
+                                    <m:r>
+                                      <a:rPr kumimoji="1" lang="en-US" altLang="ja-JP" sz="1100" b="0" i="1" smtClean="0">
+                                        <a:solidFill>
+                                          <a:sysClr val="windowText" lastClr="000000"/>
+                                        </a:solidFill>
+                                        <a:latin typeface="Cambria Math" panose="02040503050406030204" pitchFamily="18" charset="0"/>
+                                        <a:ea typeface="HG明朝B" panose="02020809000000000000" pitchFamily="17" charset="-128"/>
+                                      </a:rPr>
+                                      <m:t>−3</m:t>
+                                    </m:r>
+                                  </m:sup>
+                                </m:sSup>
+                              </m:oMath>
+                            </m:oMathPara>
+                          </a14:m>
+                          <a:endParaRPr kumimoji="1" lang="en-US" altLang="ja-JP" sz="1100" dirty="0">
+                            <a:solidFill>
+                              <a:sysClr val="windowText" lastClr="000000"/>
+                            </a:solidFill>
+                            <a:latin typeface="HG明朝B" panose="02020809000000000000" pitchFamily="17" charset="-128"/>
+                            <a:ea typeface="HG明朝B" panose="02020809000000000000" pitchFamily="17" charset="-128"/>
+                          </a:endParaRPr>
                         </a:p>
                       </a:txBody>
                       <a:tcPr>
@@ -4614,14 +5137,14 @@
               <p:nvPr>
                 <p:extLst>
                   <p:ext uri="{D42A27DB-BD31-4B8C-83A1-F6EECF244321}">
-                    <p14:modId xmlns:p14="http://schemas.microsoft.com/office/powerpoint/2010/main" val="3180575808"/>
+                    <p14:modId xmlns:p14="http://schemas.microsoft.com/office/powerpoint/2010/main" val="1905124307"/>
                   </p:ext>
                 </p:extLst>
               </p:nvPr>
             </p:nvGraphicFramePr>
             <p:xfrm>
-              <a:off x="1330779" y="1664946"/>
-              <a:ext cx="4196442" cy="2010130"/>
+              <a:off x="95250" y="1693521"/>
+              <a:ext cx="6629400" cy="1928504"/>
             </p:xfrm>
             <a:graphic>
               <a:graphicData uri="http://schemas.openxmlformats.org/drawingml/2006/table">
@@ -4630,14 +5153,21 @@
                     <a:tableStyleId>{5C22544A-7EE6-4342-B048-85BDC9FD1C3A}</a:tableStyleId>
                   </a:tblPr>
                   <a:tblGrid>
-                    <a:gridCol w="2098221">
+                    <a:gridCol w="1702143">
                       <a:extLst>
                         <a:ext uri="{9D8B030D-6E8A-4147-A177-3AD203B41FA5}">
                           <a16:colId xmlns:a16="http://schemas.microsoft.com/office/drawing/2014/main" val="3480938367"/>
                         </a:ext>
                       </a:extLst>
                     </a:gridCol>
-                    <a:gridCol w="2098221">
+                    <a:gridCol w="2717457">
+                      <a:extLst>
+                        <a:ext uri="{9D8B030D-6E8A-4147-A177-3AD203B41FA5}">
+                          <a16:colId xmlns:a16="http://schemas.microsoft.com/office/drawing/2014/main" val="1732164345"/>
+                        </a:ext>
+                      </a:extLst>
+                    </a:gridCol>
+                    <a:gridCol w="2209800">
                       <a:extLst>
                         <a:ext uri="{9D8B030D-6E8A-4147-A177-3AD203B41FA5}">
                           <a16:colId xmlns:a16="http://schemas.microsoft.com/office/drawing/2014/main" val="3213155522"/>
@@ -4645,7 +5175,7 @@
                       </a:extLst>
                     </a:gridCol>
                   </a:tblGrid>
-                  <a:tr h="402026">
+                  <a:tr h="324172">
                     <a:tc>
                       <a:txBody>
                         <a:bodyPr/>
@@ -4653,17 +5183,17 @@
                         <a:p>
                           <a:pPr algn="ctr"/>
                           <a:r>
-                            <a:rPr kumimoji="1" lang="ja-JP" altLang="en-US" sz="1400" dirty="0">
+                            <a:rPr kumimoji="1" lang="ja-JP" altLang="en-US" sz="1100" dirty="0">
                               <a:solidFill>
                                 <a:sysClr val="windowText" lastClr="000000"/>
                               </a:solidFill>
                               <a:latin typeface="HG明朝B" panose="02020809000000000000" pitchFamily="17" charset="-128"/>
                               <a:ea typeface="HG明朝B" panose="02020809000000000000" pitchFamily="17" charset="-128"/>
                             </a:rPr>
-                            <a:t>パラメータ </a:t>
+                            <a:t>レジーム </a:t>
                           </a:r>
                           <a:r>
-                            <a:rPr kumimoji="1" lang="en-US" altLang="ja-JP" sz="1400" dirty="0">
+                            <a:rPr kumimoji="1" lang="en-US" altLang="ja-JP" sz="1100" dirty="0">
                               <a:solidFill>
                                 <a:sysClr val="windowText" lastClr="000000"/>
                               </a:solidFill>
@@ -4673,17 +5203,17 @@
                             <a:t>[</a:t>
                           </a:r>
                           <a:r>
-                            <a:rPr kumimoji="1" lang="ja-JP" altLang="en-US" sz="1400" dirty="0">
+                            <a:rPr kumimoji="1" lang="ja-JP" altLang="en-US" sz="1100" dirty="0">
                               <a:solidFill>
                                 <a:sysClr val="windowText" lastClr="000000"/>
                               </a:solidFill>
                               <a:latin typeface="HG明朝B" panose="02020809000000000000" pitchFamily="17" charset="-128"/>
                               <a:ea typeface="HG明朝B" panose="02020809000000000000" pitchFamily="17" charset="-128"/>
                             </a:rPr>
-                            <a:t>単位</a:t>
+                            <a:t>記号</a:t>
                           </a:r>
                           <a:r>
-                            <a:rPr kumimoji="1" lang="en-US" altLang="ja-JP" sz="1400" dirty="0">
+                            <a:rPr kumimoji="1" lang="en-US" altLang="ja-JP" sz="1100" dirty="0">
                               <a:solidFill>
                                 <a:sysClr val="windowText" lastClr="000000"/>
                               </a:solidFill>
@@ -4692,7 +5222,7 @@
                             </a:rPr>
                             <a:t>]</a:t>
                           </a:r>
-                          <a:endParaRPr kumimoji="1" lang="ja-JP" altLang="en-US" sz="1400" dirty="0">
+                          <a:endParaRPr kumimoji="1" lang="ja-JP" altLang="en-US" sz="1100" dirty="0">
                             <a:solidFill>
                               <a:sysClr val="windowText" lastClr="000000"/>
                             </a:solidFill>
@@ -4748,14 +5278,82 @@
                         <a:p>
                           <a:pPr algn="ctr"/>
                           <a:r>
-                            <a:rPr kumimoji="1" lang="ja-JP" altLang="en-US" sz="1400" dirty="0">
+                            <a:rPr kumimoji="1" lang="ja-JP" altLang="en-US" sz="1100" dirty="0">
                               <a:solidFill>
                                 <a:sysClr val="windowText" lastClr="000000"/>
                               </a:solidFill>
                               <a:latin typeface="HG明朝B" panose="02020809000000000000" pitchFamily="17" charset="-128"/>
                               <a:ea typeface="HG明朝B" panose="02020809000000000000" pitchFamily="17" charset="-128"/>
                             </a:rPr>
-                            <a:t>値</a:t>
+                            <a:t>特徴</a:t>
+                          </a:r>
+                        </a:p>
+                      </a:txBody>
+                      <a:tcPr>
+                        <a:lnL w="12700" cap="flat" cmpd="sng" algn="ctr">
+                          <a:solidFill>
+                            <a:schemeClr val="tx1"/>
+                          </a:solidFill>
+                          <a:prstDash val="solid"/>
+                          <a:round/>
+                          <a:headEnd type="none" w="med" len="med"/>
+                          <a:tailEnd type="none" w="med" len="med"/>
+                        </a:lnL>
+                        <a:lnR w="12700" cap="flat" cmpd="sng" algn="ctr">
+                          <a:solidFill>
+                            <a:schemeClr val="tx1"/>
+                          </a:solidFill>
+                          <a:prstDash val="solid"/>
+                          <a:round/>
+                          <a:headEnd type="none" w="med" len="med"/>
+                          <a:tailEnd type="none" w="med" len="med"/>
+                        </a:lnR>
+                        <a:lnT w="12700" cap="flat" cmpd="sng" algn="ctr">
+                          <a:solidFill>
+                            <a:schemeClr val="tx1"/>
+                          </a:solidFill>
+                          <a:prstDash val="solid"/>
+                          <a:round/>
+                          <a:headEnd type="none" w="med" len="med"/>
+                          <a:tailEnd type="none" w="med" len="med"/>
+                        </a:lnT>
+                        <a:lnB w="12700" cap="flat" cmpd="sng" algn="ctr">
+                          <a:solidFill>
+                            <a:schemeClr val="tx1"/>
+                          </a:solidFill>
+                          <a:prstDash val="solid"/>
+                          <a:round/>
+                          <a:headEnd type="none" w="med" len="med"/>
+                          <a:tailEnd type="none" w="med" len="med"/>
+                        </a:lnB>
+                        <a:noFill/>
+                      </a:tcPr>
+                    </a:tc>
+                    <a:tc>
+                      <a:txBody>
+                        <a:bodyPr/>
+                        <a:lstStyle/>
+                        <a:p>
+                          <a:pPr algn="ctr"/>
+                          <a:r>
+                            <a:rPr kumimoji="1" lang="en-US" altLang="ja-JP" sz="1100" dirty="0">
+                              <a:solidFill>
+                                <a:sysClr val="windowText" lastClr="000000"/>
+                              </a:solidFill>
+                              <a:latin typeface="HG明朝B" panose="02020809000000000000" pitchFamily="17" charset="-128"/>
+                              <a:ea typeface="HG明朝B" panose="02020809000000000000" pitchFamily="17" charset="-128"/>
+                            </a:rPr>
+                            <a:t>Burger</a:t>
+                          </a:r>
+                          <a:r>
+                            <a:rPr kumimoji="1" lang="ja-JP" altLang="en-US" sz="1100" dirty="0">
+                              <a:solidFill>
+                                <a:sysClr val="windowText" lastClr="000000"/>
+                              </a:solidFill>
+                              <a:latin typeface="HG明朝B" panose="02020809000000000000" pitchFamily="17" charset="-128"/>
+                              <a:ea typeface="HG明朝B" panose="02020809000000000000" pitchFamily="17" charset="-128"/>
+                            </a:rPr>
+                            <a:t> 数</a:t>
                           </a:r>
                         </a:p>
                       </a:txBody>
@@ -4805,13 +5403,40 @@
                       </a:ext>
                     </a:extLst>
                   </a:tr>
-                  <a:tr h="402026">
+                  <a:tr h="426720">
                     <a:tc>
                       <a:txBody>
                         <a:bodyPr/>
                         <a:lstStyle/>
                         <a:p>
-                          <a:endParaRPr lang="ja-JP"/>
+                          <a:pPr algn="ctr"/>
+                          <a:r>
+                            <a:rPr kumimoji="1" lang="ja-JP" altLang="en-US" sz="1100" dirty="0">
+                              <a:solidFill>
+                                <a:sysClr val="windowText" lastClr="000000"/>
+                              </a:solidFill>
+                              <a:latin typeface="HG明朝B" panose="02020809000000000000" pitchFamily="17" charset="-128"/>
+                              <a:ea typeface="HG明朝B" panose="02020809000000000000" pitchFamily="17" charset="-128"/>
+                            </a:rPr>
+                            <a:t>木星的 </a:t>
+                          </a:r>
+                          <a:r>
+                            <a:rPr kumimoji="1" lang="en-US" altLang="ja-JP" sz="1100" dirty="0">
+                              <a:solidFill>
+                                <a:sysClr val="windowText" lastClr="000000"/>
+                              </a:solidFill>
+                              <a:latin typeface="HG明朝B" panose="02020809000000000000" pitchFamily="17" charset="-128"/>
+                              <a:ea typeface="HG明朝B" panose="02020809000000000000" pitchFamily="17" charset="-128"/>
+                            </a:rPr>
+                            <a:t>[J]</a:t>
+                          </a:r>
+                          <a:endParaRPr kumimoji="1" lang="ja-JP" altLang="en-US" sz="1100" dirty="0">
+                            <a:solidFill>
+                              <a:sysClr val="windowText" lastClr="000000"/>
+                            </a:solidFill>
+                            <a:latin typeface="HG明朝B" panose="02020809000000000000" pitchFamily="17" charset="-128"/>
+                            <a:ea typeface="HG明朝B" panose="02020809000000000000" pitchFamily="17" charset="-128"/>
+                          </a:endParaRPr>
                         </a:p>
                       </a:txBody>
                       <a:tcPr>
@@ -4851,12 +5476,92 @@
                           <a:headEnd type="none" w="med" len="med"/>
                           <a:tailEnd type="none" w="med" len="med"/>
                         </a:lnB>
-                        <a:blipFill>
-                          <a:blip r:embed="rId2"/>
-                          <a:stretch>
-                            <a:fillRect l="-290" t="-103030" r="-100290" b="-303030"/>
-                          </a:stretch>
-                        </a:blipFill>
+                        <a:noFill/>
+                      </a:tcPr>
+                    </a:tc>
+                    <a:tc>
+                      <a:txBody>
+                        <a:bodyPr/>
+                        <a:lstStyle/>
+                        <a:p>
+                          <a:pPr algn="ctr"/>
+                          <a:r>
+                            <a:rPr kumimoji="1" lang="ja-JP" altLang="en-US" sz="1100" dirty="0">
+                              <a:solidFill>
+                                <a:sysClr val="windowText" lastClr="000000"/>
+                              </a:solidFill>
+                              <a:latin typeface="HG明朝B" panose="02020809000000000000" pitchFamily="17" charset="-128"/>
+                              <a:ea typeface="HG明朝B" panose="02020809000000000000" pitchFamily="17" charset="-128"/>
+                            </a:rPr>
+                            <a:t>比較的小さい複数の渦が形成．</a:t>
+                          </a:r>
+                          <a:endParaRPr kumimoji="1" lang="en-US" altLang="ja-JP" sz="1100" dirty="0">
+                            <a:solidFill>
+                              <a:sysClr val="windowText" lastClr="000000"/>
+                            </a:solidFill>
+                            <a:latin typeface="HG明朝B" panose="02020809000000000000" pitchFamily="17" charset="-128"/>
+                            <a:ea typeface="HG明朝B" panose="02020809000000000000" pitchFamily="17" charset="-128"/>
+                          </a:endParaRPr>
+                        </a:p>
+                        <a:p>
+                          <a:pPr algn="ctr"/>
+                          <a:r>
+                            <a:rPr kumimoji="1" lang="ja-JP" altLang="en-US" sz="1100" dirty="0">
+                              <a:solidFill>
+                                <a:sysClr val="windowText" lastClr="000000"/>
+                              </a:solidFill>
+                              <a:latin typeface="HG明朝B" panose="02020809000000000000" pitchFamily="17" charset="-128"/>
+                              <a:ea typeface="HG明朝B" panose="02020809000000000000" pitchFamily="17" charset="-128"/>
+                            </a:rPr>
+                            <a:t>極に渦がとどまらない．</a:t>
+                          </a:r>
+                          <a:endParaRPr kumimoji="1" lang="en-US" altLang="ja-JP" sz="1100" dirty="0">
+                            <a:solidFill>
+                              <a:sysClr val="windowText" lastClr="000000"/>
+                            </a:solidFill>
+                            <a:latin typeface="HG明朝B" panose="02020809000000000000" pitchFamily="17" charset="-128"/>
+                            <a:ea typeface="HG明朝B" panose="02020809000000000000" pitchFamily="17" charset="-128"/>
+                          </a:endParaRPr>
+                        </a:p>
+                      </a:txBody>
+                      <a:tcPr>
+                        <a:lnL w="12700" cap="flat" cmpd="sng" algn="ctr">
+                          <a:solidFill>
+                            <a:schemeClr val="tx1"/>
+                          </a:solidFill>
+                          <a:prstDash val="solid"/>
+                          <a:round/>
+                          <a:headEnd type="none" w="med" len="med"/>
+                          <a:tailEnd type="none" w="med" len="med"/>
+                        </a:lnL>
+                        <a:lnR w="12700" cap="flat" cmpd="sng" algn="ctr">
+                          <a:solidFill>
+                            <a:schemeClr val="tx1"/>
+                          </a:solidFill>
+                          <a:prstDash val="solid"/>
+                          <a:round/>
+                          <a:headEnd type="none" w="med" len="med"/>
+                          <a:tailEnd type="none" w="med" len="med"/>
+                        </a:lnR>
+                        <a:lnT w="12700" cap="flat" cmpd="sng" algn="ctr">
+                          <a:solidFill>
+                            <a:schemeClr val="tx1"/>
+                          </a:solidFill>
+                          <a:prstDash val="solid"/>
+                          <a:round/>
+                          <a:headEnd type="none" w="med" len="med"/>
+                          <a:tailEnd type="none" w="med" len="med"/>
+                        </a:lnT>
+                        <a:lnB w="12700" cap="flat" cmpd="sng" algn="ctr">
+                          <a:solidFill>
+                            <a:schemeClr val="tx1"/>
+                          </a:solidFill>
+                          <a:prstDash val="solid"/>
+                          <a:round/>
+                          <a:headEnd type="none" w="med" len="med"/>
+                          <a:tailEnd type="none" w="med" len="med"/>
+                        </a:lnB>
+                        <a:noFill/>
                       </a:tcPr>
                     </a:tc>
                     <a:tc>
@@ -4907,7 +5612,7 @@
                         <a:blipFill>
                           <a:blip r:embed="rId2"/>
                           <a:stretch>
-                            <a:fillRect l="-100581" t="-103030" r="-581" b="-303030"/>
+                            <a:fillRect l="-200275" t="-76056" r="-551" b="-281690"/>
                           </a:stretch>
                         </a:blipFill>
                       </a:tcPr>
@@ -4918,13 +5623,40 @@
                       </a:ext>
                     </a:extLst>
                   </a:tr>
-                  <a:tr h="402026">
+                  <a:tr h="426720">
                     <a:tc>
                       <a:txBody>
                         <a:bodyPr/>
                         <a:lstStyle/>
                         <a:p>
-                          <a:endParaRPr lang="ja-JP"/>
+                          <a:pPr algn="ctr"/>
+                          <a:r>
+                            <a:rPr kumimoji="1" lang="ja-JP" altLang="en-US" sz="1100" dirty="0">
+                              <a:solidFill>
+                                <a:sysClr val="windowText" lastClr="000000"/>
+                              </a:solidFill>
+                              <a:latin typeface="HG明朝B" panose="02020809000000000000" pitchFamily="17" charset="-128"/>
+                              <a:ea typeface="HG明朝B" panose="02020809000000000000" pitchFamily="17" charset="-128"/>
+                            </a:rPr>
+                            <a:t>遷移 </a:t>
+                          </a:r>
+                          <a:r>
+                            <a:rPr kumimoji="1" lang="en-US" altLang="ja-JP" sz="1100" dirty="0">
+                              <a:solidFill>
+                                <a:sysClr val="windowText" lastClr="000000"/>
+                              </a:solidFill>
+                              <a:latin typeface="HG明朝B" panose="02020809000000000000" pitchFamily="17" charset="-128"/>
+                              <a:ea typeface="HG明朝B" panose="02020809000000000000" pitchFamily="17" charset="-128"/>
+                            </a:rPr>
+                            <a:t>[T]</a:t>
+                          </a:r>
+                          <a:endParaRPr kumimoji="1" lang="ja-JP" altLang="en-US" sz="1100" dirty="0">
+                            <a:solidFill>
+                              <a:sysClr val="windowText" lastClr="000000"/>
+                            </a:solidFill>
+                            <a:latin typeface="HG明朝B" panose="02020809000000000000" pitchFamily="17" charset="-128"/>
+                            <a:ea typeface="HG明朝B" panose="02020809000000000000" pitchFamily="17" charset="-128"/>
+                          </a:endParaRPr>
                         </a:p>
                       </a:txBody>
                       <a:tcPr>
@@ -4964,12 +5696,72 @@
                           <a:headEnd type="none" w="med" len="med"/>
                           <a:tailEnd type="none" w="med" len="med"/>
                         </a:lnB>
-                        <a:blipFill>
-                          <a:blip r:embed="rId2"/>
-                          <a:stretch>
-                            <a:fillRect l="-290" t="-203030" r="-100290" b="-203030"/>
-                          </a:stretch>
-                        </a:blipFill>
+                        <a:noFill/>
+                      </a:tcPr>
+                    </a:tc>
+                    <a:tc>
+                      <a:txBody>
+                        <a:bodyPr/>
+                        <a:lstStyle/>
+                        <a:p>
+                          <a:pPr algn="ctr"/>
+                          <a:r>
+                            <a:rPr kumimoji="1" lang="ja-JP" altLang="en-US" sz="1100" dirty="0">
+                              <a:solidFill>
+                                <a:sysClr val="windowText" lastClr="000000"/>
+                              </a:solidFill>
+                              <a:latin typeface="HG明朝B" panose="02020809000000000000" pitchFamily="17" charset="-128"/>
+                              <a:ea typeface="HG明朝B" panose="02020809000000000000" pitchFamily="17" charset="-128"/>
+                            </a:rPr>
+                            <a:t>比較的大きい，高気圧性渦と低気圧性渦が形成．</a:t>
+                          </a:r>
+                          <a:endParaRPr kumimoji="1" lang="en-US" altLang="ja-JP" sz="1100" dirty="0">
+                            <a:solidFill>
+                              <a:sysClr val="windowText" lastClr="000000"/>
+                            </a:solidFill>
+                            <a:latin typeface="HG明朝B" panose="02020809000000000000" pitchFamily="17" charset="-128"/>
+                            <a:ea typeface="HG明朝B" panose="02020809000000000000" pitchFamily="17" charset="-128"/>
+                          </a:endParaRPr>
+                        </a:p>
+                      </a:txBody>
+                      <a:tcPr>
+                        <a:lnL w="12700" cap="flat" cmpd="sng" algn="ctr">
+                          <a:solidFill>
+                            <a:schemeClr val="tx1"/>
+                          </a:solidFill>
+                          <a:prstDash val="solid"/>
+                          <a:round/>
+                          <a:headEnd type="none" w="med" len="med"/>
+                          <a:tailEnd type="none" w="med" len="med"/>
+                        </a:lnL>
+                        <a:lnR w="12700" cap="flat" cmpd="sng" algn="ctr">
+                          <a:solidFill>
+                            <a:schemeClr val="tx1"/>
+                          </a:solidFill>
+                          <a:prstDash val="solid"/>
+                          <a:round/>
+                          <a:headEnd type="none" w="med" len="med"/>
+                          <a:tailEnd type="none" w="med" len="med"/>
+                        </a:lnR>
+                        <a:lnT w="12700" cap="flat" cmpd="sng" algn="ctr">
+                          <a:solidFill>
+                            <a:schemeClr val="tx1"/>
+                          </a:solidFill>
+                          <a:prstDash val="solid"/>
+                          <a:round/>
+                          <a:headEnd type="none" w="med" len="med"/>
+                          <a:tailEnd type="none" w="med" len="med"/>
+                        </a:lnT>
+                        <a:lnB w="12700" cap="flat" cmpd="sng" algn="ctr">
+                          <a:solidFill>
+                            <a:schemeClr val="tx1"/>
+                          </a:solidFill>
+                          <a:prstDash val="solid"/>
+                          <a:round/>
+                          <a:headEnd type="none" w="med" len="med"/>
+                          <a:tailEnd type="none" w="med" len="med"/>
+                        </a:lnB>
+                        <a:noFill/>
                       </a:tcPr>
                     </a:tc>
                     <a:tc>
@@ -5020,7 +5812,7 @@
                         <a:blipFill>
                           <a:blip r:embed="rId2"/>
                           <a:stretch>
-                            <a:fillRect l="-100581" t="-203030" r="-581" b="-203030"/>
+                            <a:fillRect l="-200275" t="-178571" r="-551" b="-185714"/>
                           </a:stretch>
                         </a:blipFill>
                       </a:tcPr>
@@ -5031,7 +5823,7 @@
                       </a:ext>
                     </a:extLst>
                   </a:tr>
-                  <a:tr h="402026">
+                  <a:tr h="324172">
                     <a:tc>
                       <a:txBody>
                         <a:bodyPr/>
@@ -5039,15 +5831,32 @@
                         <a:p>
                           <a:pPr algn="ctr"/>
                           <a:r>
-                            <a:rPr kumimoji="1" lang="ja-JP" altLang="en-US" sz="1400" dirty="0">
+                            <a:rPr kumimoji="1" lang="ja-JP" altLang="en-US" sz="1100" dirty="0">
                               <a:solidFill>
                                 <a:sysClr val="windowText" lastClr="000000"/>
                               </a:solidFill>
                               <a:latin typeface="HG明朝B" panose="02020809000000000000" pitchFamily="17" charset="-128"/>
                               <a:ea typeface="HG明朝B" panose="02020809000000000000" pitchFamily="17" charset="-128"/>
                             </a:rPr>
-                            <a:t>雷雲の個数</a:t>
+                            <a:t>土星的 </a:t>
                           </a:r>
+                          <a:r>
+                            <a:rPr kumimoji="1" lang="en-US" altLang="ja-JP" sz="1100" dirty="0">
+                              <a:solidFill>
+                                <a:sysClr val="windowText" lastClr="000000"/>
+                              </a:solidFill>
+                              <a:latin typeface="HG明朝B" panose="02020809000000000000" pitchFamily="17" charset="-128"/>
+                              <a:ea typeface="HG明朝B" panose="02020809000000000000" pitchFamily="17" charset="-128"/>
+                            </a:rPr>
+                            <a:t>[S]</a:t>
+                          </a:r>
+                          <a:endParaRPr kumimoji="1" lang="ja-JP" altLang="en-US" sz="1100" dirty="0">
+                            <a:solidFill>
+                              <a:sysClr val="windowText" lastClr="000000"/>
+                            </a:solidFill>
+                            <a:latin typeface="HG明朝B" panose="02020809000000000000" pitchFamily="17" charset="-128"/>
+                            <a:ea typeface="HG明朝B" panose="02020809000000000000" pitchFamily="17" charset="-128"/>
+                          </a:endParaRPr>
                         </a:p>
                       </a:txBody>
                       <a:tcPr>
@@ -5097,22 +5906,15 @@
                         <a:p>
                           <a:pPr algn="ctr"/>
                           <a:r>
-                            <a:rPr kumimoji="1" lang="en-US" altLang="ja-JP" sz="1400" dirty="0">
+                            <a:rPr kumimoji="1" lang="ja-JP" altLang="en-US" sz="1100" dirty="0">
                               <a:solidFill>
                                 <a:sysClr val="windowText" lastClr="000000"/>
                               </a:solidFill>
                               <a:latin typeface="HG明朝B" panose="02020809000000000000" pitchFamily="17" charset="-128"/>
                               <a:ea typeface="HG明朝B" panose="02020809000000000000" pitchFamily="17" charset="-128"/>
                             </a:rPr>
-                            <a:t>50</a:t>
+                            <a:t>極を中心とした低気圧性渦が形成．</a:t>
                           </a:r>
-                          <a:endParaRPr kumimoji="1" lang="ja-JP" altLang="en-US" sz="1400" dirty="0">
-                            <a:solidFill>
-                              <a:sysClr val="windowText" lastClr="000000"/>
-                            </a:solidFill>
-                            <a:latin typeface="HG明朝B" panose="02020809000000000000" pitchFamily="17" charset="-128"/>
-                            <a:ea typeface="HG明朝B" panose="02020809000000000000" pitchFamily="17" charset="-128"/>
-                          </a:endParaRPr>
                         </a:p>
                       </a:txBody>
                       <a:tcPr>
@@ -5153,6 +5955,59 @@
                           <a:tailEnd type="none" w="med" len="med"/>
                         </a:lnB>
                         <a:noFill/>
+                      </a:tcPr>
+                    </a:tc>
+                    <a:tc>
+                      <a:txBody>
+                        <a:bodyPr/>
+                        <a:lstStyle/>
+                        <a:p>
+                          <a:endParaRPr lang="ja-JP"/>
+                        </a:p>
+                      </a:txBody>
+                      <a:tcPr>
+                        <a:lnL w="12700" cap="flat" cmpd="sng" algn="ctr">
+                          <a:solidFill>
+                            <a:schemeClr val="tx1"/>
+                          </a:solidFill>
+                          <a:prstDash val="solid"/>
+                          <a:round/>
+                          <a:headEnd type="none" w="med" len="med"/>
+                          <a:tailEnd type="none" w="med" len="med"/>
+                        </a:lnL>
+                        <a:lnR w="12700" cap="flat" cmpd="sng" algn="ctr">
+                          <a:solidFill>
+                            <a:schemeClr val="tx1"/>
+                          </a:solidFill>
+                          <a:prstDash val="solid"/>
+                          <a:round/>
+                          <a:headEnd type="none" w="med" len="med"/>
+                          <a:tailEnd type="none" w="med" len="med"/>
+                        </a:lnR>
+                        <a:lnT w="12700" cap="flat" cmpd="sng" algn="ctr">
+                          <a:solidFill>
+                            <a:schemeClr val="tx1"/>
+                          </a:solidFill>
+                          <a:prstDash val="solid"/>
+                          <a:round/>
+                          <a:headEnd type="none" w="med" len="med"/>
+                          <a:tailEnd type="none" w="med" len="med"/>
+                        </a:lnT>
+                        <a:lnB w="12700" cap="flat" cmpd="sng" algn="ctr">
+                          <a:solidFill>
+                            <a:schemeClr val="tx1"/>
+                          </a:solidFill>
+                          <a:prstDash val="solid"/>
+                          <a:round/>
+                          <a:headEnd type="none" w="med" len="med"/>
+                          <a:tailEnd type="none" w="med" len="med"/>
+                        </a:lnB>
+                        <a:blipFill>
+                          <a:blip r:embed="rId2"/>
+                          <a:stretch>
+                            <a:fillRect l="-200275" t="-361111" r="-551" b="-140741"/>
+                          </a:stretch>
+                        </a:blipFill>
                       </a:tcPr>
                     </a:tc>
                     <a:extLst>
@@ -5161,7 +6016,7 @@
                       </a:ext>
                     </a:extLst>
                   </a:tr>
-                  <a:tr h="402026">
+                  <a:tr h="426720">
                     <a:tc>
                       <a:txBody>
                         <a:bodyPr/>
@@ -5169,15 +6024,32 @@
                         <a:p>
                           <a:pPr algn="ctr"/>
                           <a:r>
-                            <a:rPr kumimoji="1" lang="ja-JP" altLang="en-US" sz="1400" dirty="0">
+                            <a:rPr kumimoji="1" lang="ja-JP" altLang="en-US" sz="1100" dirty="0">
                               <a:solidFill>
                                 <a:sysClr val="windowText" lastClr="000000"/>
                               </a:solidFill>
                               <a:latin typeface="HG明朝B" panose="02020809000000000000" pitchFamily="17" charset="-128"/>
                               <a:ea typeface="HG明朝B" panose="02020809000000000000" pitchFamily="17" charset="-128"/>
                             </a:rPr>
-                            <a:t>超粘性の次数</a:t>
+                            <a:t>巨大氷惑星的 </a:t>
                           </a:r>
+                          <a:r>
+                            <a:rPr kumimoji="1" lang="en-US" altLang="ja-JP" sz="1100" dirty="0">
+                              <a:solidFill>
+                                <a:sysClr val="windowText" lastClr="000000"/>
+                              </a:solidFill>
+                              <a:latin typeface="HG明朝B" panose="02020809000000000000" pitchFamily="17" charset="-128"/>
+                              <a:ea typeface="HG明朝B" panose="02020809000000000000" pitchFamily="17" charset="-128"/>
+                            </a:rPr>
+                            <a:t>[I]</a:t>
+                          </a:r>
+                          <a:endParaRPr kumimoji="1" lang="ja-JP" altLang="en-US" sz="1100" dirty="0">
+                            <a:solidFill>
+                              <a:sysClr val="windowText" lastClr="000000"/>
+                            </a:solidFill>
+                            <a:latin typeface="HG明朝B" panose="02020809000000000000" pitchFamily="17" charset="-128"/>
+                            <a:ea typeface="HG明朝B" panose="02020809000000000000" pitchFamily="17" charset="-128"/>
+                          </a:endParaRPr>
                         </a:p>
                       </a:txBody>
                       <a:tcPr>
@@ -5227,15 +6099,42 @@
                         <a:p>
                           <a:pPr algn="ctr"/>
                           <a:r>
-                            <a:rPr kumimoji="1" lang="en-US" altLang="ja-JP" sz="1400" dirty="0">
+                            <a:rPr kumimoji="1" lang="ja-JP" altLang="en-US" sz="1100" dirty="0">
                               <a:solidFill>
                                 <a:sysClr val="windowText" lastClr="000000"/>
                               </a:solidFill>
                               <a:latin typeface="HG明朝B" panose="02020809000000000000" pitchFamily="17" charset="-128"/>
                               <a:ea typeface="HG明朝B" panose="02020809000000000000" pitchFamily="17" charset="-128"/>
                             </a:rPr>
-                            <a:t>4</a:t>
+                            <a:t>土星的レジームより，風速の大きい</a:t>
                           </a:r>
+                          <a:endParaRPr kumimoji="1" lang="en-US" altLang="ja-JP" sz="1100" dirty="0">
+                            <a:solidFill>
+                              <a:sysClr val="windowText" lastClr="000000"/>
+                            </a:solidFill>
+                            <a:latin typeface="HG明朝B" panose="02020809000000000000" pitchFamily="17" charset="-128"/>
+                            <a:ea typeface="HG明朝B" panose="02020809000000000000" pitchFamily="17" charset="-128"/>
+                          </a:endParaRPr>
+                        </a:p>
+                        <a:p>
+                          <a:pPr algn="ctr"/>
+                          <a:r>
+                            <a:rPr kumimoji="1" lang="ja-JP" altLang="en-US" sz="1100" dirty="0">
+                              <a:solidFill>
+                                <a:sysClr val="windowText" lastClr="000000"/>
+                              </a:solidFill>
+                              <a:latin typeface="HG明朝B" panose="02020809000000000000" pitchFamily="17" charset="-128"/>
+                              <a:ea typeface="HG明朝B" panose="02020809000000000000" pitchFamily="17" charset="-128"/>
+                            </a:rPr>
+                            <a:t>極を中心とした低気圧性渦が形成．</a:t>
+                          </a:r>
+                          <a:endParaRPr kumimoji="1" lang="en-US" altLang="ja-JP" sz="1100" dirty="0">
+                            <a:solidFill>
+                              <a:sysClr val="windowText" lastClr="000000"/>
+                            </a:solidFill>
+                            <a:latin typeface="HG明朝B" panose="02020809000000000000" pitchFamily="17" charset="-128"/>
+                            <a:ea typeface="HG明朝B" panose="02020809000000000000" pitchFamily="17" charset="-128"/>
+                          </a:endParaRPr>
                         </a:p>
                       </a:txBody>
                       <a:tcPr>
@@ -5276,6 +6175,59 @@
                           <a:tailEnd type="none" w="med" len="med"/>
                         </a:lnB>
                         <a:noFill/>
+                      </a:tcPr>
+                    </a:tc>
+                    <a:tc>
+                      <a:txBody>
+                        <a:bodyPr/>
+                        <a:lstStyle/>
+                        <a:p>
+                          <a:endParaRPr lang="ja-JP"/>
+                        </a:p>
+                      </a:txBody>
+                      <a:tcPr>
+                        <a:lnL w="12700" cap="flat" cmpd="sng" algn="ctr">
+                          <a:solidFill>
+                            <a:schemeClr val="tx1"/>
+                          </a:solidFill>
+                          <a:prstDash val="solid"/>
+                          <a:round/>
+                          <a:headEnd type="none" w="med" len="med"/>
+                          <a:tailEnd type="none" w="med" len="med"/>
+                        </a:lnL>
+                        <a:lnR w="12700" cap="flat" cmpd="sng" algn="ctr">
+                          <a:solidFill>
+                            <a:schemeClr val="tx1"/>
+                          </a:solidFill>
+                          <a:prstDash val="solid"/>
+                          <a:round/>
+                          <a:headEnd type="none" w="med" len="med"/>
+                          <a:tailEnd type="none" w="med" len="med"/>
+                        </a:lnR>
+                        <a:lnT w="12700" cap="flat" cmpd="sng" algn="ctr">
+                          <a:solidFill>
+                            <a:schemeClr val="tx1"/>
+                          </a:solidFill>
+                          <a:prstDash val="solid"/>
+                          <a:round/>
+                          <a:headEnd type="none" w="med" len="med"/>
+                          <a:tailEnd type="none" w="med" len="med"/>
+                        </a:lnT>
+                        <a:lnB w="12700" cap="flat" cmpd="sng" algn="ctr">
+                          <a:solidFill>
+                            <a:schemeClr val="tx1"/>
+                          </a:solidFill>
+                          <a:prstDash val="solid"/>
+                          <a:round/>
+                          <a:headEnd type="none" w="med" len="med"/>
+                          <a:tailEnd type="none" w="med" len="med"/>
+                        </a:lnB>
+                        <a:blipFill>
+                          <a:blip r:embed="rId2"/>
+                          <a:stretch>
+                            <a:fillRect l="-200275" t="-355714" r="-551" b="-8571"/>
+                          </a:stretch>
+                        </a:blipFill>
                       </a:tcPr>
                     </a:tc>
                     <a:extLst>

--- a/ronbun/src/fig/model/table_regime.pptx
+++ b/ronbun/src/fig/model/table_regime.pptx
@@ -259,7 +259,7 @@
           <a:p>
             <a:fld id="{96132B7A-14F9-4B03-9E81-9B4B4A3BEE0D}" type="datetimeFigureOut">
               <a:rPr kumimoji="1" lang="ja-JP" altLang="en-US" smtClean="0"/>
-              <a:t>2021/1/21</a:t>
+              <a:t>2021/1/25</a:t>
             </a:fld>
             <a:endParaRPr kumimoji="1" lang="ja-JP" altLang="en-US"/>
           </a:p>
@@ -489,7 +489,7 @@
           <a:p>
             <a:fld id="{96132B7A-14F9-4B03-9E81-9B4B4A3BEE0D}" type="datetimeFigureOut">
               <a:rPr kumimoji="1" lang="ja-JP" altLang="en-US" smtClean="0"/>
-              <a:t>2021/1/21</a:t>
+              <a:t>2021/1/25</a:t>
             </a:fld>
             <a:endParaRPr kumimoji="1" lang="ja-JP" altLang="en-US"/>
           </a:p>
@@ -729,7 +729,7 @@
           <a:p>
             <a:fld id="{96132B7A-14F9-4B03-9E81-9B4B4A3BEE0D}" type="datetimeFigureOut">
               <a:rPr kumimoji="1" lang="ja-JP" altLang="en-US" smtClean="0"/>
-              <a:t>2021/1/21</a:t>
+              <a:t>2021/1/25</a:t>
             </a:fld>
             <a:endParaRPr kumimoji="1" lang="ja-JP" altLang="en-US"/>
           </a:p>
@@ -959,7 +959,7 @@
           <a:p>
             <a:fld id="{96132B7A-14F9-4B03-9E81-9B4B4A3BEE0D}" type="datetimeFigureOut">
               <a:rPr kumimoji="1" lang="ja-JP" altLang="en-US" smtClean="0"/>
-              <a:t>2021/1/21</a:t>
+              <a:t>2021/1/25</a:t>
             </a:fld>
             <a:endParaRPr kumimoji="1" lang="ja-JP" altLang="en-US"/>
           </a:p>
@@ -1234,7 +1234,7 @@
           <a:p>
             <a:fld id="{96132B7A-14F9-4B03-9E81-9B4B4A3BEE0D}" type="datetimeFigureOut">
               <a:rPr kumimoji="1" lang="ja-JP" altLang="en-US" smtClean="0"/>
-              <a:t>2021/1/21</a:t>
+              <a:t>2021/1/25</a:t>
             </a:fld>
             <a:endParaRPr kumimoji="1" lang="ja-JP" altLang="en-US"/>
           </a:p>
@@ -1563,7 +1563,7 @@
           <a:p>
             <a:fld id="{96132B7A-14F9-4B03-9E81-9B4B4A3BEE0D}" type="datetimeFigureOut">
               <a:rPr kumimoji="1" lang="ja-JP" altLang="en-US" smtClean="0"/>
-              <a:t>2021/1/21</a:t>
+              <a:t>2021/1/25</a:t>
             </a:fld>
             <a:endParaRPr kumimoji="1" lang="ja-JP" altLang="en-US"/>
           </a:p>
@@ -2039,7 +2039,7 @@
           <a:p>
             <a:fld id="{96132B7A-14F9-4B03-9E81-9B4B4A3BEE0D}" type="datetimeFigureOut">
               <a:rPr kumimoji="1" lang="ja-JP" altLang="en-US" smtClean="0"/>
-              <a:t>2021/1/21</a:t>
+              <a:t>2021/1/25</a:t>
             </a:fld>
             <a:endParaRPr kumimoji="1" lang="ja-JP" altLang="en-US"/>
           </a:p>
@@ -2180,7 +2180,7 @@
           <a:p>
             <a:fld id="{96132B7A-14F9-4B03-9E81-9B4B4A3BEE0D}" type="datetimeFigureOut">
               <a:rPr kumimoji="1" lang="ja-JP" altLang="en-US" smtClean="0"/>
-              <a:t>2021/1/21</a:t>
+              <a:t>2021/1/25</a:t>
             </a:fld>
             <a:endParaRPr kumimoji="1" lang="ja-JP" altLang="en-US"/>
           </a:p>
@@ -2293,7 +2293,7 @@
           <a:p>
             <a:fld id="{96132B7A-14F9-4B03-9E81-9B4B4A3BEE0D}" type="datetimeFigureOut">
               <a:rPr kumimoji="1" lang="ja-JP" altLang="en-US" smtClean="0"/>
-              <a:t>2021/1/21</a:t>
+              <a:t>2021/1/25</a:t>
             </a:fld>
             <a:endParaRPr kumimoji="1" lang="ja-JP" altLang="en-US"/>
           </a:p>
@@ -2636,7 +2636,7 @@
           <a:p>
             <a:fld id="{96132B7A-14F9-4B03-9E81-9B4B4A3BEE0D}" type="datetimeFigureOut">
               <a:rPr kumimoji="1" lang="ja-JP" altLang="en-US" smtClean="0"/>
-              <a:t>2021/1/21</a:t>
+              <a:t>2021/1/25</a:t>
             </a:fld>
             <a:endParaRPr kumimoji="1" lang="ja-JP" altLang="en-US"/>
           </a:p>
@@ -2924,7 +2924,7 @@
           <a:p>
             <a:fld id="{96132B7A-14F9-4B03-9E81-9B4B4A3BEE0D}" type="datetimeFigureOut">
               <a:rPr kumimoji="1" lang="ja-JP" altLang="en-US" smtClean="0"/>
-              <a:t>2021/1/21</a:t>
+              <a:t>2021/1/25</a:t>
             </a:fld>
             <a:endParaRPr kumimoji="1" lang="ja-JP" altLang="en-US"/>
           </a:p>
@@ -3197,7 +3197,7 @@
           <a:p>
             <a:fld id="{96132B7A-14F9-4B03-9E81-9B4B4A3BEE0D}" type="datetimeFigureOut">
               <a:rPr kumimoji="1" lang="ja-JP" altLang="en-US" smtClean="0"/>
-              <a:t>2021/1/21</a:t>
+              <a:t>2021/1/25</a:t>
             </a:fld>
             <a:endParaRPr kumimoji="1" lang="ja-JP" altLang="en-US"/>
           </a:p>
@@ -3631,7 +3631,7 @@
               <p:nvPr>
                 <p:extLst>
                   <p:ext uri="{D42A27DB-BD31-4B8C-83A1-F6EECF244321}">
-                    <p14:modId xmlns:p14="http://schemas.microsoft.com/office/powerpoint/2010/main" val="1905124307"/>
+                    <p14:modId xmlns:p14="http://schemas.microsoft.com/office/powerpoint/2010/main" val="853802924"/>
                   </p:ext>
                 </p:extLst>
               </p:nvPr>
@@ -4275,7 +4275,27 @@
                               <a:latin typeface="HG明朝B" panose="02020809000000000000" pitchFamily="17" charset="-128"/>
                               <a:ea typeface="HG明朝B" panose="02020809000000000000" pitchFamily="17" charset="-128"/>
                             </a:rPr>
-                            <a:t>比較的大きい，高気圧性渦と低気圧性渦が形成．</a:t>
+                            <a:t>比較的大きい高気圧性渦と</a:t>
+                          </a:r>
+                          <a:endParaRPr kumimoji="1" lang="en-US" altLang="ja-JP" sz="1100" dirty="0">
+                            <a:solidFill>
+                              <a:sysClr val="windowText" lastClr="000000"/>
+                            </a:solidFill>
+                            <a:latin typeface="HG明朝B" panose="02020809000000000000" pitchFamily="17" charset="-128"/>
+                            <a:ea typeface="HG明朝B" panose="02020809000000000000" pitchFamily="17" charset="-128"/>
+                          </a:endParaRPr>
+                        </a:p>
+                        <a:p>
+                          <a:pPr algn="ctr"/>
+                          <a:r>
+                            <a:rPr kumimoji="1" lang="ja-JP" altLang="en-US" sz="1100" dirty="0">
+                              <a:solidFill>
+                                <a:sysClr val="windowText" lastClr="000000"/>
+                              </a:solidFill>
+                              <a:latin typeface="HG明朝B" panose="02020809000000000000" pitchFamily="17" charset="-128"/>
+                              <a:ea typeface="HG明朝B" panose="02020809000000000000" pitchFamily="17" charset="-128"/>
+                            </a:rPr>
+                            <a:t>低気圧性渦が形成．</a:t>
                           </a:r>
                           <a:endParaRPr kumimoji="1" lang="en-US" altLang="ja-JP" sz="1100" dirty="0">
                             <a:solidFill>
@@ -5137,7 +5157,7 @@
               <p:nvPr>
                 <p:extLst>
                   <p:ext uri="{D42A27DB-BD31-4B8C-83A1-F6EECF244321}">
-                    <p14:modId xmlns:p14="http://schemas.microsoft.com/office/powerpoint/2010/main" val="1905124307"/>
+                    <p14:modId xmlns:p14="http://schemas.microsoft.com/office/powerpoint/2010/main" val="853802924"/>
                   </p:ext>
                 </p:extLst>
               </p:nvPr>
@@ -5713,7 +5733,27 @@
                               <a:latin typeface="HG明朝B" panose="02020809000000000000" pitchFamily="17" charset="-128"/>
                               <a:ea typeface="HG明朝B" panose="02020809000000000000" pitchFamily="17" charset="-128"/>
                             </a:rPr>
-                            <a:t>比較的大きい，高気圧性渦と低気圧性渦が形成．</a:t>
+                            <a:t>比較的大きい高気圧性渦と</a:t>
+                          </a:r>
+                          <a:endParaRPr kumimoji="1" lang="en-US" altLang="ja-JP" sz="1100" dirty="0">
+                            <a:solidFill>
+                              <a:sysClr val="windowText" lastClr="000000"/>
+                            </a:solidFill>
+                            <a:latin typeface="HG明朝B" panose="02020809000000000000" pitchFamily="17" charset="-128"/>
+                            <a:ea typeface="HG明朝B" panose="02020809000000000000" pitchFamily="17" charset="-128"/>
+                          </a:endParaRPr>
+                        </a:p>
+                        <a:p>
+                          <a:pPr algn="ctr"/>
+                          <a:r>
+                            <a:rPr kumimoji="1" lang="ja-JP" altLang="en-US" sz="1100" dirty="0">
+                              <a:solidFill>
+                                <a:sysClr val="windowText" lastClr="000000"/>
+                              </a:solidFill>
+                              <a:latin typeface="HG明朝B" panose="02020809000000000000" pitchFamily="17" charset="-128"/>
+                              <a:ea typeface="HG明朝B" panose="02020809000000000000" pitchFamily="17" charset="-128"/>
+                            </a:rPr>
+                            <a:t>低気圧性渦が形成．</a:t>
                           </a:r>
                           <a:endParaRPr kumimoji="1" lang="en-US" altLang="ja-JP" sz="1100" dirty="0">
                             <a:solidFill>
